--- a/docs/Automating Fabric Solution Deployment.pptx
+++ b/docs/Automating Fabric Solution Deployment.pptx
@@ -4037,7 +4037,7 @@
           <a:p>
             <a:fld id="{DCE60099-03E7-4FA1-8A7F-E6E6CFB0F855}" type="datetime8">
               <a:rPr lang="en-US" smtClean="0"/>
-              <a:t>2/5/2025 12:50 PM</a:t>
+              <a:t>2/5/2025 12:51 PM</a:t>
             </a:fld>
             <a:endParaRPr lang="en-US"/>
           </a:p>
@@ -34783,6 +34783,15 @@
 </file>
 
 <file path=customXml/item1.xml><?xml version="1.0" encoding="utf-8"?>
+<?mso-contentType ?>
+<FormTemplates xmlns="http://schemas.microsoft.com/sharepoint/v3/contenttype/forms">
+  <Display>DocumentLibraryForm</Display>
+  <Edit>DocumentLibraryForm</Edit>
+  <New>DocumentLibraryForm</New>
+</FormTemplates>
+</file>
+
+<file path=customXml/item2.xml><?xml version="1.0" encoding="utf-8"?>
 <p:properties xmlns:p="http://schemas.microsoft.com/office/2006/metadata/properties" xmlns:xsi="http://www.w3.org/2001/XMLSchema-instance" xmlns:pc="http://schemas.microsoft.com/office/infopath/2007/PartnerControls">
   <documentManagement>
     <_ip_UnifiedCompliancePolicyUIAction xmlns="http://schemas.microsoft.com/sharepoint/v3" xsi:nil="true"/>
@@ -34790,15 +34799,6 @@
     <_activity xmlns="3c10a0e8-556e-4c2d-9121-1181542ea83c" xsi:nil="true"/>
   </documentManagement>
 </p:properties>
-</file>
-
-<file path=customXml/item2.xml><?xml version="1.0" encoding="utf-8"?>
-<?mso-contentType ?>
-<FormTemplates xmlns="http://schemas.microsoft.com/sharepoint/v3/contenttype/forms">
-  <Display>DocumentLibraryForm</Display>
-  <Edit>DocumentLibraryForm</Edit>
-  <New>DocumentLibraryForm</New>
-</FormTemplates>
 </file>
 
 <file path=customXml/item3.xml><?xml version="1.0" encoding="utf-8"?>
@@ -35066,6 +35066,14 @@
 </file>
 
 <file path=customXml/itemProps1.xml><?xml version="1.0" encoding="utf-8"?>
+<ds:datastoreItem xmlns:ds="http://schemas.openxmlformats.org/officeDocument/2006/customXml" ds:itemID="{758FDAC0-319D-4A54-8D8E-1D42CB1F8004}">
+  <ds:schemaRefs>
+    <ds:schemaRef ds:uri="http://schemas.microsoft.com/sharepoint/v3/contenttype/forms"/>
+  </ds:schemaRefs>
+</ds:datastoreItem>
+</file>
+
+<file path=customXml/itemProps2.xml><?xml version="1.0" encoding="utf-8"?>
 <ds:datastoreItem xmlns:ds="http://schemas.openxmlformats.org/officeDocument/2006/customXml" ds:itemID="{F990F116-B58F-4255-B05B-DA3808E0E5C6}">
   <ds:schemaRefs>
     <ds:schemaRef ds:uri="http://schemas.microsoft.com/sharepoint/v3"/>
@@ -35079,14 +35087,6 @@
     <ds:schemaRef ds:uri="http://schemas.openxmlformats.org/package/2006/metadata/core-properties"/>
     <ds:schemaRef ds:uri="91f22b01-9196-48cc-8d58-ee179122dd75"/>
     <ds:schemaRef ds:uri="http://www.w3.org/XML/1998/namespace"/>
-  </ds:schemaRefs>
-</ds:datastoreItem>
-</file>
-
-<file path=customXml/itemProps2.xml><?xml version="1.0" encoding="utf-8"?>
-<ds:datastoreItem xmlns:ds="http://schemas.openxmlformats.org/officeDocument/2006/customXml" ds:itemID="{758FDAC0-319D-4A54-8D8E-1D42CB1F8004}">
-  <ds:schemaRefs>
-    <ds:schemaRef ds:uri="http://schemas.microsoft.com/sharepoint/v3/contenttype/forms"/>
   </ds:schemaRefs>
 </ds:datastoreItem>
 </file>

--- a/docs/Automating Fabric Solution Deployment.pptx
+++ b/docs/Automating Fabric Solution Deployment.pptx
@@ -5,10 +5,10 @@
     <p:sldMasterId id="2147484551" r:id="rId4"/>
   </p:sldMasterIdLst>
   <p:notesMasterIdLst>
-    <p:notesMasterId r:id="rId38"/>
+    <p:notesMasterId r:id="rId39"/>
   </p:notesMasterIdLst>
   <p:handoutMasterIdLst>
-    <p:handoutMasterId r:id="rId39"/>
+    <p:handoutMasterId r:id="rId40"/>
   </p:handoutMasterIdLst>
   <p:sldIdLst>
     <p:sldId id="4475" r:id="rId5"/>
@@ -16,34 +16,35 @@
     <p:sldId id="2147479861" r:id="rId7"/>
     <p:sldId id="2147479955" r:id="rId8"/>
     <p:sldId id="265" r:id="rId9"/>
-    <p:sldId id="2147481784" r:id="rId10"/>
-    <p:sldId id="2147479945" r:id="rId11"/>
-    <p:sldId id="2147479927" r:id="rId12"/>
-    <p:sldId id="2147479864" r:id="rId13"/>
-    <p:sldId id="2147479865" r:id="rId14"/>
-    <p:sldId id="2147479958" r:id="rId15"/>
-    <p:sldId id="2147479959" r:id="rId16"/>
-    <p:sldId id="269" r:id="rId17"/>
-    <p:sldId id="257" r:id="rId18"/>
-    <p:sldId id="267" r:id="rId19"/>
-    <p:sldId id="2147481789" r:id="rId20"/>
-    <p:sldId id="261" r:id="rId21"/>
-    <p:sldId id="2147481790" r:id="rId22"/>
-    <p:sldId id="263" r:id="rId23"/>
-    <p:sldId id="2147481791" r:id="rId24"/>
-    <p:sldId id="2147481785" r:id="rId25"/>
-    <p:sldId id="259" r:id="rId26"/>
-    <p:sldId id="2147479842" r:id="rId27"/>
-    <p:sldId id="2147481773" r:id="rId28"/>
-    <p:sldId id="2147481792" r:id="rId29"/>
-    <p:sldId id="264" r:id="rId30"/>
-    <p:sldId id="2147481787" r:id="rId31"/>
-    <p:sldId id="2147481788" r:id="rId32"/>
-    <p:sldId id="2147479857" r:id="rId33"/>
-    <p:sldId id="2147481781" r:id="rId34"/>
-    <p:sldId id="2147481782" r:id="rId35"/>
-    <p:sldId id="2147481748" r:id="rId36"/>
-    <p:sldId id="2147481793" r:id="rId37"/>
+    <p:sldId id="2147481794" r:id="rId10"/>
+    <p:sldId id="2147481784" r:id="rId11"/>
+    <p:sldId id="2147479945" r:id="rId12"/>
+    <p:sldId id="2147479927" r:id="rId13"/>
+    <p:sldId id="2147479864" r:id="rId14"/>
+    <p:sldId id="2147479865" r:id="rId15"/>
+    <p:sldId id="2147479958" r:id="rId16"/>
+    <p:sldId id="2147479959" r:id="rId17"/>
+    <p:sldId id="269" r:id="rId18"/>
+    <p:sldId id="257" r:id="rId19"/>
+    <p:sldId id="267" r:id="rId20"/>
+    <p:sldId id="2147481789" r:id="rId21"/>
+    <p:sldId id="261" r:id="rId22"/>
+    <p:sldId id="2147481790" r:id="rId23"/>
+    <p:sldId id="263" r:id="rId24"/>
+    <p:sldId id="2147481791" r:id="rId25"/>
+    <p:sldId id="2147481785" r:id="rId26"/>
+    <p:sldId id="259" r:id="rId27"/>
+    <p:sldId id="2147479842" r:id="rId28"/>
+    <p:sldId id="2147481773" r:id="rId29"/>
+    <p:sldId id="2147481792" r:id="rId30"/>
+    <p:sldId id="264" r:id="rId31"/>
+    <p:sldId id="2147481787" r:id="rId32"/>
+    <p:sldId id="2147481788" r:id="rId33"/>
+    <p:sldId id="2147479857" r:id="rId34"/>
+    <p:sldId id="2147481781" r:id="rId35"/>
+    <p:sldId id="2147481782" r:id="rId36"/>
+    <p:sldId id="2147481748" r:id="rId37"/>
+    <p:sldId id="2147481793" r:id="rId38"/>
   </p:sldIdLst>
   <p:sldSz cx="12436475" cy="6994525"/>
   <p:notesSz cx="7010400" cy="9296400"/>
@@ -152,6 +153,7 @@
             <p14:sldId id="2147479861"/>
             <p14:sldId id="2147479955"/>
             <p14:sldId id="265"/>
+            <p14:sldId id="2147481794"/>
             <p14:sldId id="2147481784"/>
             <p14:sldId id="2147479945"/>
             <p14:sldId id="2147479927"/>
@@ -4037,7 +4039,7 @@
           <a:p>
             <a:fld id="{DCE60099-03E7-4FA1-8A7F-E6E6CFB0F855}" type="datetime8">
               <a:rPr lang="en-US" smtClean="0"/>
-              <a:t>2/5/2025 12:51 PM</a:t>
+              <a:t>2/5/2025 12:52 PM</a:t>
             </a:fld>
             <a:endParaRPr lang="en-US"/>
           </a:p>
@@ -4507,7 +4509,7 @@
           <a:p>
             <a:fld id="{107CC838-97A7-4ECD-BF99-0B9597A09AFC}" type="slidenum">
               <a:rPr lang="en-IN" smtClean="0"/>
-              <a:t>31</a:t>
+              <a:t>32</a:t>
             </a:fld>
             <a:endParaRPr lang="en-IN"/>
           </a:p>
@@ -4603,7 +4605,7 @@
           <a:p>
             <a:fld id="{107CC838-97A7-4ECD-BF99-0B9597A09AFC}" type="slidenum">
               <a:rPr lang="en-IN" smtClean="0"/>
-              <a:t>32</a:t>
+              <a:t>33</a:t>
             </a:fld>
             <a:endParaRPr lang="en-IN"/>
           </a:p>
@@ -4781,7 +4783,7 @@
             <a:fld id="{B4008EB6-D09E-4580-8CD6-DDB14511944F}" type="slidenum">
               <a:rPr lang="en-US" smtClean="0"/>
               <a:pPr/>
-              <a:t>6</a:t>
+              <a:t>7</a:t>
             </a:fld>
             <a:endParaRPr lang="en-US"/>
           </a:p>
@@ -4923,7 +4925,7 @@
             <a:fld id="{B4008EB6-D09E-4580-8CD6-DDB14511944F}" type="slidenum">
               <a:rPr lang="en-US" smtClean="0"/>
               <a:pPr/>
-              <a:t>12</a:t>
+              <a:t>13</a:t>
             </a:fld>
             <a:endParaRPr lang="en-US"/>
           </a:p>
@@ -5007,7 +5009,7 @@
           <a:p>
             <a:fld id="{64A869D4-12F1-4473-96D1-2006C76813FF}" type="slidenum">
               <a:rPr lang="en-US" smtClean="0"/>
-              <a:t>14</a:t>
+              <a:t>15</a:t>
             </a:fld>
             <a:endParaRPr lang="en-US"/>
           </a:p>
@@ -5185,7 +5187,7 @@
             <a:fld id="{B4008EB6-D09E-4580-8CD6-DDB14511944F}" type="slidenum">
               <a:rPr lang="en-US" smtClean="0"/>
               <a:pPr/>
-              <a:t>21</a:t>
+              <a:t>22</a:t>
             </a:fld>
             <a:endParaRPr lang="en-US"/>
           </a:p>
@@ -5269,7 +5271,7 @@
           <a:p>
             <a:fld id="{64A869D4-12F1-4473-96D1-2006C76813FF}" type="slidenum">
               <a:rPr lang="en-US" smtClean="0"/>
-              <a:t>22</a:t>
+              <a:t>23</a:t>
             </a:fld>
             <a:endParaRPr lang="en-US"/>
           </a:p>
@@ -5371,7 +5373,7 @@
           <a:p>
             <a:fld id="{107CC838-97A7-4ECD-BF99-0B9597A09AFC}" type="slidenum">
               <a:rPr lang="en-IN" smtClean="0"/>
-              <a:t>24</a:t>
+              <a:t>25</a:t>
             </a:fld>
             <a:endParaRPr lang="en-IN"/>
           </a:p>
@@ -5455,7 +5457,7 @@
           <a:p>
             <a:fld id="{64A869D4-12F1-4473-96D1-2006C76813FF}" type="slidenum">
               <a:rPr lang="en-US" smtClean="0"/>
-              <a:t>26</a:t>
+              <a:t>27</a:t>
             </a:fld>
             <a:endParaRPr lang="en-US"/>
           </a:p>
@@ -5557,7 +5559,7 @@
           <a:p>
             <a:fld id="{107CC838-97A7-4ECD-BF99-0B9597A09AFC}" type="slidenum">
               <a:rPr lang="en-IN" smtClean="0"/>
-              <a:t>30</a:t>
+              <a:t>31</a:t>
             </a:fld>
             <a:endParaRPr lang="en-IN"/>
           </a:p>
@@ -9126,6 +9128,1401 @@
           <p:cNvPr id="2" name="Title 1">
             <a:extLst>
               <a:ext uri="{FF2B5EF4-FFF2-40B4-BE49-F238E27FC236}">
+                <a16:creationId xmlns:a16="http://schemas.microsoft.com/office/drawing/2014/main" id="{D06BE284-5030-E5A5-0C7A-0273AA244E48}"/>
+              </a:ext>
+            </a:extLst>
+          </p:cNvPr>
+          <p:cNvSpPr>
+            <a:spLocks noGrp="1"/>
+          </p:cNvSpPr>
+          <p:nvPr>
+            <p:ph type="title"/>
+          </p:nvPr>
+        </p:nvSpPr>
+        <p:spPr/>
+        <p:txBody>
+          <a:bodyPr/>
+          <a:lstStyle/>
+          <a:p>
+            <a:r>
+              <a:rPr lang="en-US" dirty="0"/>
+              <a:t>Fabric REST API Used for Workspace Management</a:t>
+            </a:r>
+          </a:p>
+        </p:txBody>
+      </p:sp>
+      <p:sp>
+        <p:nvSpPr>
+          <p:cNvPr id="22" name="Text Placeholder 21">
+            <a:extLst>
+              <a:ext uri="{FF2B5EF4-FFF2-40B4-BE49-F238E27FC236}">
+                <a16:creationId xmlns:a16="http://schemas.microsoft.com/office/drawing/2014/main" id="{CEA9FBB6-21AC-4F47-961D-B9F11F75AE62}"/>
+              </a:ext>
+            </a:extLst>
+          </p:cNvPr>
+          <p:cNvSpPr>
+            <a:spLocks noGrp="1"/>
+          </p:cNvSpPr>
+          <p:nvPr>
+            <p:ph type="body" sz="quarter" idx="10"/>
+          </p:nvPr>
+        </p:nvSpPr>
+        <p:spPr>
+          <a:xfrm>
+            <a:off x="511277" y="1227439"/>
+            <a:ext cx="11604521" cy="1523494"/>
+          </a:xfrm>
+        </p:spPr>
+        <p:txBody>
+          <a:bodyPr/>
+          <a:lstStyle/>
+          <a:p>
+            <a:r>
+              <a:rPr lang="en-US" dirty="0"/>
+              <a:t>Fabric REST API used to create and configure new workspace on demand</a:t>
+            </a:r>
+          </a:p>
+          <a:p>
+            <a:pPr lvl="1"/>
+            <a:r>
+              <a:rPr lang="en-US" dirty="0"/>
+              <a:t>Deployment logic must associate each workspace with Fabric-enabled capacity</a:t>
+            </a:r>
+          </a:p>
+          <a:p>
+            <a:pPr lvl="1"/>
+            <a:r>
+              <a:rPr lang="en-US" dirty="0"/>
+              <a:t>Deployment logic adds workspace role assignment to configure who has access</a:t>
+            </a:r>
+          </a:p>
+          <a:p>
+            <a:pPr lvl="1"/>
+            <a:endParaRPr lang="en-US" dirty="0"/>
+          </a:p>
+        </p:txBody>
+      </p:sp>
+      <p:sp>
+        <p:nvSpPr>
+          <p:cNvPr id="3" name="Rectangle 2">
+            <a:extLst>
+              <a:ext uri="{FF2B5EF4-FFF2-40B4-BE49-F238E27FC236}">
+                <a16:creationId xmlns:a16="http://schemas.microsoft.com/office/drawing/2014/main" id="{33BDC619-EBF5-482C-A237-C81C360051A0}"/>
+              </a:ext>
+            </a:extLst>
+          </p:cNvPr>
+          <p:cNvSpPr/>
+          <p:nvPr/>
+        </p:nvSpPr>
+        <p:spPr>
+          <a:xfrm>
+            <a:off x="1041069" y="2600324"/>
+            <a:ext cx="5038531" cy="4203701"/>
+          </a:xfrm>
+          <a:prstGeom prst="rect">
+            <a:avLst/>
+          </a:prstGeom>
+          <a:solidFill>
+            <a:srgbClr val="FFF5D5"/>
+          </a:solidFill>
+          <a:ln w="6350">
+            <a:solidFill>
+              <a:schemeClr val="tx1"/>
+            </a:solidFill>
+          </a:ln>
+        </p:spPr>
+        <p:style>
+          <a:lnRef idx="2">
+            <a:schemeClr val="accent1">
+              <a:shade val="50000"/>
+            </a:schemeClr>
+          </a:lnRef>
+          <a:fillRef idx="1">
+            <a:schemeClr val="accent1"/>
+          </a:fillRef>
+          <a:effectRef idx="0">
+            <a:schemeClr val="accent1"/>
+          </a:effectRef>
+          <a:fontRef idx="minor">
+            <a:schemeClr val="lt1"/>
+          </a:fontRef>
+        </p:style>
+        <p:txBody>
+          <a:bodyPr tIns="91440" bIns="82296" rtlCol="0" anchor="t"/>
+          <a:lstStyle/>
+          <a:p>
+            <a:pPr algn="ctr"/>
+            <a:r>
+              <a:rPr lang="en-US" sz="1400" b="1" dirty="0">
+                <a:solidFill>
+                  <a:schemeClr val="tx1"/>
+                </a:solidFill>
+              </a:rPr>
+              <a:t>Fabric Environment</a:t>
+            </a:r>
+          </a:p>
+          <a:p>
+            <a:pPr algn="ctr"/>
+            <a:r>
+              <a:rPr lang="en-US" sz="1200" dirty="0">
+                <a:solidFill>
+                  <a:schemeClr val="tx1"/>
+                </a:solidFill>
+              </a:rPr>
+              <a:t>Entra Id Tenant</a:t>
+            </a:r>
+          </a:p>
+        </p:txBody>
+      </p:sp>
+      <p:sp>
+        <p:nvSpPr>
+          <p:cNvPr id="4" name="Rectangle 3">
+            <a:extLst>
+              <a:ext uri="{FF2B5EF4-FFF2-40B4-BE49-F238E27FC236}">
+                <a16:creationId xmlns:a16="http://schemas.microsoft.com/office/drawing/2014/main" id="{B3923E1C-F78A-67C6-7574-AFC7D8C903C0}"/>
+              </a:ext>
+            </a:extLst>
+          </p:cNvPr>
+          <p:cNvSpPr/>
+          <p:nvPr/>
+        </p:nvSpPr>
+        <p:spPr bwMode="auto">
+          <a:xfrm>
+            <a:off x="4050012" y="3172707"/>
+            <a:ext cx="1757385" cy="339553"/>
+          </a:xfrm>
+          <a:prstGeom prst="rect">
+            <a:avLst/>
+          </a:prstGeom>
+          <a:solidFill>
+            <a:schemeClr val="accent1"/>
+          </a:solidFill>
+          <a:ln>
+            <a:solidFill>
+              <a:schemeClr val="tx1"/>
+            </a:solidFill>
+            <a:headEnd type="none" w="med" len="med"/>
+            <a:tailEnd type="none" w="med" len="med"/>
+          </a:ln>
+          <a:effectLst/>
+        </p:spPr>
+        <p:style>
+          <a:lnRef idx="1">
+            <a:schemeClr val="accent2"/>
+          </a:lnRef>
+          <a:fillRef idx="3">
+            <a:schemeClr val="accent2"/>
+          </a:fillRef>
+          <a:effectRef idx="2">
+            <a:schemeClr val="accent2"/>
+          </a:effectRef>
+          <a:fontRef idx="minor">
+            <a:schemeClr val="lt1"/>
+          </a:fontRef>
+        </p:style>
+        <p:txBody>
+          <a:bodyPr rot="0" spcFirstLastPara="0" vertOverflow="overflow" horzOverflow="overflow" vert="horz" wrap="square" lIns="182880" tIns="146304" rIns="182880" bIns="146304" numCol="1" spcCol="0" rtlCol="0" fromWordArt="0" anchor="ctr" anchorCtr="0" forceAA="0" compatLnSpc="1">
+            <a:prstTxWarp prst="textNoShape">
+              <a:avLst/>
+            </a:prstTxWarp>
+            <a:noAutofit/>
+          </a:bodyPr>
+          <a:lstStyle/>
+          <a:p>
+            <a:pPr algn="ctr" defTabSz="932472" fontAlgn="base">
+              <a:lnSpc>
+                <a:spcPct val="90000"/>
+              </a:lnSpc>
+              <a:spcBef>
+                <a:spcPct val="0"/>
+              </a:spcBef>
+              <a:spcAft>
+                <a:spcPct val="0"/>
+              </a:spcAft>
+            </a:pPr>
+            <a:r>
+              <a:rPr lang="en-US" sz="1200" b="1" dirty="0">
+                <a:solidFill>
+                  <a:schemeClr val="tx1"/>
+                </a:solidFill>
+                <a:latin typeface="Arial" panose="020B0604020202020204" pitchFamily="34" charset="0"/>
+                <a:ea typeface="Segoe UI" pitchFamily="34" charset="0"/>
+                <a:cs typeface="Arial" panose="020B0604020202020204" pitchFamily="34" charset="0"/>
+              </a:rPr>
+              <a:t>Capacity (F4)</a:t>
+            </a:r>
+          </a:p>
+        </p:txBody>
+      </p:sp>
+      <p:sp>
+        <p:nvSpPr>
+          <p:cNvPr id="5" name="Rectangle 4">
+            <a:extLst>
+              <a:ext uri="{FF2B5EF4-FFF2-40B4-BE49-F238E27FC236}">
+                <a16:creationId xmlns:a16="http://schemas.microsoft.com/office/drawing/2014/main" id="{86C14C82-E61F-E1BC-BBC7-73F8FC7B1CC9}"/>
+              </a:ext>
+            </a:extLst>
+          </p:cNvPr>
+          <p:cNvSpPr/>
+          <p:nvPr/>
+        </p:nvSpPr>
+        <p:spPr bwMode="auto">
+          <a:xfrm>
+            <a:off x="4050012" y="3633687"/>
+            <a:ext cx="1757385" cy="783403"/>
+          </a:xfrm>
+          <a:prstGeom prst="rect">
+            <a:avLst/>
+          </a:prstGeom>
+          <a:solidFill>
+            <a:schemeClr val="accent1"/>
+          </a:solidFill>
+          <a:ln>
+            <a:solidFill>
+              <a:schemeClr val="tx1"/>
+            </a:solidFill>
+            <a:headEnd type="none" w="med" len="med"/>
+            <a:tailEnd type="none" w="med" len="med"/>
+          </a:ln>
+          <a:effectLst/>
+        </p:spPr>
+        <p:style>
+          <a:lnRef idx="1">
+            <a:schemeClr val="accent2"/>
+          </a:lnRef>
+          <a:fillRef idx="3">
+            <a:schemeClr val="accent2"/>
+          </a:fillRef>
+          <a:effectRef idx="2">
+            <a:schemeClr val="accent2"/>
+          </a:effectRef>
+          <a:fontRef idx="minor">
+            <a:schemeClr val="lt1"/>
+          </a:fontRef>
+        </p:style>
+        <p:txBody>
+          <a:bodyPr rot="0" spcFirstLastPara="0" vertOverflow="overflow" horzOverflow="overflow" vert="horz" wrap="square" lIns="182880" tIns="146304" rIns="182880" bIns="146304" numCol="1" spcCol="0" rtlCol="0" fromWordArt="0" anchor="ctr" anchorCtr="0" forceAA="0" compatLnSpc="1">
+            <a:prstTxWarp prst="textNoShape">
+              <a:avLst/>
+            </a:prstTxWarp>
+            <a:noAutofit/>
+          </a:bodyPr>
+          <a:lstStyle/>
+          <a:p>
+            <a:pPr algn="ctr" defTabSz="932472" fontAlgn="base">
+              <a:lnSpc>
+                <a:spcPct val="90000"/>
+              </a:lnSpc>
+              <a:spcBef>
+                <a:spcPct val="0"/>
+              </a:spcBef>
+              <a:spcAft>
+                <a:spcPct val="0"/>
+              </a:spcAft>
+            </a:pPr>
+            <a:r>
+              <a:rPr lang="en-US" sz="1200" b="1" dirty="0">
+                <a:solidFill>
+                  <a:schemeClr val="tx1"/>
+                </a:solidFill>
+                <a:latin typeface="Arial" panose="020B0604020202020204" pitchFamily="34" charset="0"/>
+                <a:ea typeface="Segoe UI" pitchFamily="34" charset="0"/>
+                <a:cs typeface="Arial" panose="020B0604020202020204" pitchFamily="34" charset="0"/>
+              </a:rPr>
+              <a:t>Capacity (F16)</a:t>
+            </a:r>
+          </a:p>
+        </p:txBody>
+      </p:sp>
+      <p:sp>
+        <p:nvSpPr>
+          <p:cNvPr id="6" name="Rectangle 5">
+            <a:extLst>
+              <a:ext uri="{FF2B5EF4-FFF2-40B4-BE49-F238E27FC236}">
+                <a16:creationId xmlns:a16="http://schemas.microsoft.com/office/drawing/2014/main" id="{A47A9CC0-FB62-CACB-B768-EF1FCCF46CFD}"/>
+              </a:ext>
+            </a:extLst>
+          </p:cNvPr>
+          <p:cNvSpPr/>
+          <p:nvPr/>
+        </p:nvSpPr>
+        <p:spPr bwMode="auto">
+          <a:xfrm>
+            <a:off x="4050012" y="4504257"/>
+            <a:ext cx="1757385" cy="1671103"/>
+          </a:xfrm>
+          <a:prstGeom prst="rect">
+            <a:avLst/>
+          </a:prstGeom>
+          <a:solidFill>
+            <a:schemeClr val="accent1"/>
+          </a:solidFill>
+          <a:ln>
+            <a:solidFill>
+              <a:schemeClr val="tx1"/>
+            </a:solidFill>
+            <a:headEnd type="none" w="med" len="med"/>
+            <a:tailEnd type="none" w="med" len="med"/>
+          </a:ln>
+          <a:effectLst/>
+        </p:spPr>
+        <p:style>
+          <a:lnRef idx="1">
+            <a:schemeClr val="accent2"/>
+          </a:lnRef>
+          <a:fillRef idx="3">
+            <a:schemeClr val="accent2"/>
+          </a:fillRef>
+          <a:effectRef idx="2">
+            <a:schemeClr val="accent2"/>
+          </a:effectRef>
+          <a:fontRef idx="minor">
+            <a:schemeClr val="lt1"/>
+          </a:fontRef>
+        </p:style>
+        <p:txBody>
+          <a:bodyPr rot="0" spcFirstLastPara="0" vertOverflow="overflow" horzOverflow="overflow" vert="horz" wrap="square" lIns="182880" tIns="146304" rIns="182880" bIns="146304" numCol="1" spcCol="0" rtlCol="0" fromWordArt="0" anchor="ctr" anchorCtr="0" forceAA="0" compatLnSpc="1">
+            <a:prstTxWarp prst="textNoShape">
+              <a:avLst/>
+            </a:prstTxWarp>
+            <a:noAutofit/>
+          </a:bodyPr>
+          <a:lstStyle/>
+          <a:p>
+            <a:pPr algn="ctr" defTabSz="932472" fontAlgn="base">
+              <a:lnSpc>
+                <a:spcPct val="90000"/>
+              </a:lnSpc>
+              <a:spcBef>
+                <a:spcPct val="0"/>
+              </a:spcBef>
+              <a:spcAft>
+                <a:spcPct val="0"/>
+              </a:spcAft>
+            </a:pPr>
+            <a:r>
+              <a:rPr lang="en-US" sz="1200" b="1" dirty="0">
+                <a:solidFill>
+                  <a:schemeClr val="tx1"/>
+                </a:solidFill>
+                <a:latin typeface="Arial" panose="020B0604020202020204" pitchFamily="34" charset="0"/>
+                <a:ea typeface="Segoe UI" pitchFamily="34" charset="0"/>
+                <a:cs typeface="Arial" panose="020B0604020202020204" pitchFamily="34" charset="0"/>
+              </a:rPr>
+              <a:t>Capacity (F64)</a:t>
+            </a:r>
+          </a:p>
+        </p:txBody>
+      </p:sp>
+      <p:sp>
+        <p:nvSpPr>
+          <p:cNvPr id="7" name="Rectangle 6">
+            <a:extLst>
+              <a:ext uri="{FF2B5EF4-FFF2-40B4-BE49-F238E27FC236}">
+                <a16:creationId xmlns:a16="http://schemas.microsoft.com/office/drawing/2014/main" id="{F5C768E1-16CA-D348-F837-8FBA7EB2A6DD}"/>
+              </a:ext>
+            </a:extLst>
+          </p:cNvPr>
+          <p:cNvSpPr/>
+          <p:nvPr/>
+        </p:nvSpPr>
+        <p:spPr bwMode="auto">
+          <a:xfrm>
+            <a:off x="1291806" y="3172707"/>
+            <a:ext cx="1757385" cy="339553"/>
+          </a:xfrm>
+          <a:prstGeom prst="rect">
+            <a:avLst/>
+          </a:prstGeom>
+          <a:solidFill>
+            <a:schemeClr val="bg2">
+              <a:lumMod val="85000"/>
+            </a:schemeClr>
+          </a:solidFill>
+          <a:ln>
+            <a:solidFill>
+              <a:schemeClr val="tx1"/>
+            </a:solidFill>
+            <a:headEnd type="none" w="med" len="med"/>
+            <a:tailEnd type="none" w="med" len="med"/>
+          </a:ln>
+          <a:effectLst/>
+        </p:spPr>
+        <p:style>
+          <a:lnRef idx="1">
+            <a:schemeClr val="accent2"/>
+          </a:lnRef>
+          <a:fillRef idx="3">
+            <a:schemeClr val="accent2"/>
+          </a:fillRef>
+          <a:effectRef idx="2">
+            <a:schemeClr val="accent2"/>
+          </a:effectRef>
+          <a:fontRef idx="minor">
+            <a:schemeClr val="lt1"/>
+          </a:fontRef>
+        </p:style>
+        <p:txBody>
+          <a:bodyPr rot="0" spcFirstLastPara="0" vertOverflow="overflow" horzOverflow="overflow" vert="horz" wrap="square" lIns="182880" tIns="146304" rIns="182880" bIns="146304" numCol="1" spcCol="0" rtlCol="0" fromWordArt="0" anchor="ctr" anchorCtr="0" forceAA="0" compatLnSpc="1">
+            <a:prstTxWarp prst="textNoShape">
+              <a:avLst/>
+            </a:prstTxWarp>
+            <a:noAutofit/>
+          </a:bodyPr>
+          <a:lstStyle/>
+          <a:p>
+            <a:pPr algn="ctr" defTabSz="932472" fontAlgn="base">
+              <a:lnSpc>
+                <a:spcPct val="90000"/>
+              </a:lnSpc>
+              <a:spcBef>
+                <a:spcPct val="0"/>
+              </a:spcBef>
+              <a:spcAft>
+                <a:spcPct val="0"/>
+              </a:spcAft>
+            </a:pPr>
+            <a:r>
+              <a:rPr lang="en-US" sz="1200" b="1" dirty="0">
+                <a:solidFill>
+                  <a:schemeClr val="tx1"/>
+                </a:solidFill>
+                <a:latin typeface="Arial" panose="020B0604020202020204" pitchFamily="34" charset="0"/>
+                <a:ea typeface="Segoe UI" pitchFamily="34" charset="0"/>
+                <a:cs typeface="Arial" panose="020B0604020202020204" pitchFamily="34" charset="0"/>
+              </a:rPr>
+              <a:t>Workspace 1</a:t>
+            </a:r>
+          </a:p>
+        </p:txBody>
+      </p:sp>
+      <p:sp>
+        <p:nvSpPr>
+          <p:cNvPr id="8" name="Rectangle 7">
+            <a:extLst>
+              <a:ext uri="{FF2B5EF4-FFF2-40B4-BE49-F238E27FC236}">
+                <a16:creationId xmlns:a16="http://schemas.microsoft.com/office/drawing/2014/main" id="{4E167402-70EA-654D-F322-465AC8BCBF7C}"/>
+              </a:ext>
+            </a:extLst>
+          </p:cNvPr>
+          <p:cNvSpPr/>
+          <p:nvPr/>
+        </p:nvSpPr>
+        <p:spPr bwMode="auto">
+          <a:xfrm>
+            <a:off x="1291806" y="3616557"/>
+            <a:ext cx="1757385" cy="339553"/>
+          </a:xfrm>
+          <a:prstGeom prst="rect">
+            <a:avLst/>
+          </a:prstGeom>
+          <a:solidFill>
+            <a:schemeClr val="bg2">
+              <a:lumMod val="85000"/>
+            </a:schemeClr>
+          </a:solidFill>
+          <a:ln>
+            <a:solidFill>
+              <a:schemeClr val="tx1"/>
+            </a:solidFill>
+            <a:headEnd type="none" w="med" len="med"/>
+            <a:tailEnd type="none" w="med" len="med"/>
+          </a:ln>
+          <a:effectLst/>
+        </p:spPr>
+        <p:style>
+          <a:lnRef idx="1">
+            <a:schemeClr val="accent2"/>
+          </a:lnRef>
+          <a:fillRef idx="3">
+            <a:schemeClr val="accent2"/>
+          </a:fillRef>
+          <a:effectRef idx="2">
+            <a:schemeClr val="accent2"/>
+          </a:effectRef>
+          <a:fontRef idx="minor">
+            <a:schemeClr val="lt1"/>
+          </a:fontRef>
+        </p:style>
+        <p:txBody>
+          <a:bodyPr rot="0" spcFirstLastPara="0" vertOverflow="overflow" horzOverflow="overflow" vert="horz" wrap="square" lIns="182880" tIns="146304" rIns="182880" bIns="146304" numCol="1" spcCol="0" rtlCol="0" fromWordArt="0" anchor="ctr" anchorCtr="0" forceAA="0" compatLnSpc="1">
+            <a:prstTxWarp prst="textNoShape">
+              <a:avLst/>
+            </a:prstTxWarp>
+            <a:noAutofit/>
+          </a:bodyPr>
+          <a:lstStyle/>
+          <a:p>
+            <a:pPr algn="ctr" defTabSz="932472" fontAlgn="base">
+              <a:lnSpc>
+                <a:spcPct val="90000"/>
+              </a:lnSpc>
+              <a:spcBef>
+                <a:spcPct val="0"/>
+              </a:spcBef>
+              <a:spcAft>
+                <a:spcPct val="0"/>
+              </a:spcAft>
+            </a:pPr>
+            <a:r>
+              <a:rPr lang="en-US" sz="1200" b="1" dirty="0">
+                <a:solidFill>
+                  <a:schemeClr val="tx1"/>
+                </a:solidFill>
+                <a:latin typeface="Arial" panose="020B0604020202020204" pitchFamily="34" charset="0"/>
+                <a:ea typeface="Segoe UI" pitchFamily="34" charset="0"/>
+                <a:cs typeface="Arial" panose="020B0604020202020204" pitchFamily="34" charset="0"/>
+              </a:rPr>
+              <a:t>Workspace 2</a:t>
+            </a:r>
+          </a:p>
+        </p:txBody>
+      </p:sp>
+      <p:sp>
+        <p:nvSpPr>
+          <p:cNvPr id="9" name="Rectangle 8">
+            <a:extLst>
+              <a:ext uri="{FF2B5EF4-FFF2-40B4-BE49-F238E27FC236}">
+                <a16:creationId xmlns:a16="http://schemas.microsoft.com/office/drawing/2014/main" id="{AA8026B2-BA6F-D21E-043D-D1AEFED373B4}"/>
+              </a:ext>
+            </a:extLst>
+          </p:cNvPr>
+          <p:cNvSpPr/>
+          <p:nvPr/>
+        </p:nvSpPr>
+        <p:spPr bwMode="auto">
+          <a:xfrm>
+            <a:off x="1291805" y="4060407"/>
+            <a:ext cx="1757385" cy="339553"/>
+          </a:xfrm>
+          <a:prstGeom prst="rect">
+            <a:avLst/>
+          </a:prstGeom>
+          <a:solidFill>
+            <a:schemeClr val="bg2">
+              <a:lumMod val="85000"/>
+            </a:schemeClr>
+          </a:solidFill>
+          <a:ln>
+            <a:solidFill>
+              <a:schemeClr val="tx1"/>
+            </a:solidFill>
+            <a:headEnd type="none" w="med" len="med"/>
+            <a:tailEnd type="none" w="med" len="med"/>
+          </a:ln>
+          <a:effectLst/>
+        </p:spPr>
+        <p:style>
+          <a:lnRef idx="1">
+            <a:schemeClr val="accent2"/>
+          </a:lnRef>
+          <a:fillRef idx="3">
+            <a:schemeClr val="accent2"/>
+          </a:fillRef>
+          <a:effectRef idx="2">
+            <a:schemeClr val="accent2"/>
+          </a:effectRef>
+          <a:fontRef idx="minor">
+            <a:schemeClr val="lt1"/>
+          </a:fontRef>
+        </p:style>
+        <p:txBody>
+          <a:bodyPr rot="0" spcFirstLastPara="0" vertOverflow="overflow" horzOverflow="overflow" vert="horz" wrap="square" lIns="182880" tIns="146304" rIns="182880" bIns="146304" numCol="1" spcCol="0" rtlCol="0" fromWordArt="0" anchor="ctr" anchorCtr="0" forceAA="0" compatLnSpc="1">
+            <a:prstTxWarp prst="textNoShape">
+              <a:avLst/>
+            </a:prstTxWarp>
+            <a:noAutofit/>
+          </a:bodyPr>
+          <a:lstStyle/>
+          <a:p>
+            <a:pPr algn="ctr" defTabSz="932472" fontAlgn="base">
+              <a:lnSpc>
+                <a:spcPct val="90000"/>
+              </a:lnSpc>
+              <a:spcBef>
+                <a:spcPct val="0"/>
+              </a:spcBef>
+              <a:spcAft>
+                <a:spcPct val="0"/>
+              </a:spcAft>
+            </a:pPr>
+            <a:r>
+              <a:rPr lang="en-US" sz="1200" b="1" dirty="0">
+                <a:solidFill>
+                  <a:schemeClr val="tx1"/>
+                </a:solidFill>
+                <a:latin typeface="Arial" panose="020B0604020202020204" pitchFamily="34" charset="0"/>
+                <a:ea typeface="Segoe UI" pitchFamily="34" charset="0"/>
+                <a:cs typeface="Arial" panose="020B0604020202020204" pitchFamily="34" charset="0"/>
+              </a:rPr>
+              <a:t>Workspace 3</a:t>
+            </a:r>
+          </a:p>
+        </p:txBody>
+      </p:sp>
+      <p:sp>
+        <p:nvSpPr>
+          <p:cNvPr id="10" name="Rectangle 9">
+            <a:extLst>
+              <a:ext uri="{FF2B5EF4-FFF2-40B4-BE49-F238E27FC236}">
+                <a16:creationId xmlns:a16="http://schemas.microsoft.com/office/drawing/2014/main" id="{7EBA1836-88DE-CAAB-C5F8-C917AA94D1F7}"/>
+              </a:ext>
+            </a:extLst>
+          </p:cNvPr>
+          <p:cNvSpPr/>
+          <p:nvPr/>
+        </p:nvSpPr>
+        <p:spPr bwMode="auto">
+          <a:xfrm>
+            <a:off x="1291805" y="4504257"/>
+            <a:ext cx="1757385" cy="339553"/>
+          </a:xfrm>
+          <a:prstGeom prst="rect">
+            <a:avLst/>
+          </a:prstGeom>
+          <a:solidFill>
+            <a:schemeClr val="bg2">
+              <a:lumMod val="85000"/>
+            </a:schemeClr>
+          </a:solidFill>
+          <a:ln>
+            <a:solidFill>
+              <a:schemeClr val="tx1"/>
+            </a:solidFill>
+            <a:headEnd type="none" w="med" len="med"/>
+            <a:tailEnd type="none" w="med" len="med"/>
+          </a:ln>
+          <a:effectLst/>
+        </p:spPr>
+        <p:style>
+          <a:lnRef idx="1">
+            <a:schemeClr val="accent2"/>
+          </a:lnRef>
+          <a:fillRef idx="3">
+            <a:schemeClr val="accent2"/>
+          </a:fillRef>
+          <a:effectRef idx="2">
+            <a:schemeClr val="accent2"/>
+          </a:effectRef>
+          <a:fontRef idx="minor">
+            <a:schemeClr val="lt1"/>
+          </a:fontRef>
+        </p:style>
+        <p:txBody>
+          <a:bodyPr rot="0" spcFirstLastPara="0" vertOverflow="overflow" horzOverflow="overflow" vert="horz" wrap="square" lIns="182880" tIns="146304" rIns="182880" bIns="146304" numCol="1" spcCol="0" rtlCol="0" fromWordArt="0" anchor="ctr" anchorCtr="0" forceAA="0" compatLnSpc="1">
+            <a:prstTxWarp prst="textNoShape">
+              <a:avLst/>
+            </a:prstTxWarp>
+            <a:noAutofit/>
+          </a:bodyPr>
+          <a:lstStyle/>
+          <a:p>
+            <a:pPr algn="ctr" defTabSz="932472" fontAlgn="base">
+              <a:lnSpc>
+                <a:spcPct val="90000"/>
+              </a:lnSpc>
+              <a:spcBef>
+                <a:spcPct val="0"/>
+              </a:spcBef>
+              <a:spcAft>
+                <a:spcPct val="0"/>
+              </a:spcAft>
+            </a:pPr>
+            <a:r>
+              <a:rPr lang="en-US" sz="1200" b="1" dirty="0">
+                <a:solidFill>
+                  <a:schemeClr val="tx1"/>
+                </a:solidFill>
+                <a:latin typeface="Arial" panose="020B0604020202020204" pitchFamily="34" charset="0"/>
+                <a:ea typeface="Segoe UI" pitchFamily="34" charset="0"/>
+                <a:cs typeface="Arial" panose="020B0604020202020204" pitchFamily="34" charset="0"/>
+              </a:rPr>
+              <a:t>Workspace 4</a:t>
+            </a:r>
+          </a:p>
+        </p:txBody>
+      </p:sp>
+      <p:sp>
+        <p:nvSpPr>
+          <p:cNvPr id="11" name="Rectangle 10">
+            <a:extLst>
+              <a:ext uri="{FF2B5EF4-FFF2-40B4-BE49-F238E27FC236}">
+                <a16:creationId xmlns:a16="http://schemas.microsoft.com/office/drawing/2014/main" id="{B0783367-0EFF-817E-8585-546ED3645B38}"/>
+              </a:ext>
+            </a:extLst>
+          </p:cNvPr>
+          <p:cNvSpPr/>
+          <p:nvPr/>
+        </p:nvSpPr>
+        <p:spPr bwMode="auto">
+          <a:xfrm>
+            <a:off x="1291805" y="4948107"/>
+            <a:ext cx="1757385" cy="339553"/>
+          </a:xfrm>
+          <a:prstGeom prst="rect">
+            <a:avLst/>
+          </a:prstGeom>
+          <a:solidFill>
+            <a:schemeClr val="bg2">
+              <a:lumMod val="85000"/>
+            </a:schemeClr>
+          </a:solidFill>
+          <a:ln>
+            <a:solidFill>
+              <a:schemeClr val="tx1"/>
+            </a:solidFill>
+            <a:headEnd type="none" w="med" len="med"/>
+            <a:tailEnd type="none" w="med" len="med"/>
+          </a:ln>
+          <a:effectLst/>
+        </p:spPr>
+        <p:style>
+          <a:lnRef idx="1">
+            <a:schemeClr val="accent2"/>
+          </a:lnRef>
+          <a:fillRef idx="3">
+            <a:schemeClr val="accent2"/>
+          </a:fillRef>
+          <a:effectRef idx="2">
+            <a:schemeClr val="accent2"/>
+          </a:effectRef>
+          <a:fontRef idx="minor">
+            <a:schemeClr val="lt1"/>
+          </a:fontRef>
+        </p:style>
+        <p:txBody>
+          <a:bodyPr rot="0" spcFirstLastPara="0" vertOverflow="overflow" horzOverflow="overflow" vert="horz" wrap="square" lIns="182880" tIns="146304" rIns="182880" bIns="146304" numCol="1" spcCol="0" rtlCol="0" fromWordArt="0" anchor="ctr" anchorCtr="0" forceAA="0" compatLnSpc="1">
+            <a:prstTxWarp prst="textNoShape">
+              <a:avLst/>
+            </a:prstTxWarp>
+            <a:noAutofit/>
+          </a:bodyPr>
+          <a:lstStyle/>
+          <a:p>
+            <a:pPr algn="ctr" defTabSz="932472" fontAlgn="base">
+              <a:lnSpc>
+                <a:spcPct val="90000"/>
+              </a:lnSpc>
+              <a:spcBef>
+                <a:spcPct val="0"/>
+              </a:spcBef>
+              <a:spcAft>
+                <a:spcPct val="0"/>
+              </a:spcAft>
+            </a:pPr>
+            <a:r>
+              <a:rPr lang="en-US" sz="1200" b="1" dirty="0">
+                <a:solidFill>
+                  <a:schemeClr val="tx1"/>
+                </a:solidFill>
+                <a:latin typeface="Arial" panose="020B0604020202020204" pitchFamily="34" charset="0"/>
+                <a:ea typeface="Segoe UI" pitchFamily="34" charset="0"/>
+                <a:cs typeface="Arial" panose="020B0604020202020204" pitchFamily="34" charset="0"/>
+              </a:rPr>
+              <a:t>Workspace 5</a:t>
+            </a:r>
+          </a:p>
+        </p:txBody>
+      </p:sp>
+      <p:sp>
+        <p:nvSpPr>
+          <p:cNvPr id="12" name="Rectangle 11">
+            <a:extLst>
+              <a:ext uri="{FF2B5EF4-FFF2-40B4-BE49-F238E27FC236}">
+                <a16:creationId xmlns:a16="http://schemas.microsoft.com/office/drawing/2014/main" id="{A53A0B5F-E7FB-007E-9463-02F57392A9CD}"/>
+              </a:ext>
+            </a:extLst>
+          </p:cNvPr>
+          <p:cNvSpPr/>
+          <p:nvPr/>
+        </p:nvSpPr>
+        <p:spPr bwMode="auto">
+          <a:xfrm>
+            <a:off x="1291804" y="5391957"/>
+            <a:ext cx="1757385" cy="339553"/>
+          </a:xfrm>
+          <a:prstGeom prst="rect">
+            <a:avLst/>
+          </a:prstGeom>
+          <a:solidFill>
+            <a:schemeClr val="bg2">
+              <a:lumMod val="85000"/>
+            </a:schemeClr>
+          </a:solidFill>
+          <a:ln>
+            <a:solidFill>
+              <a:schemeClr val="tx1"/>
+            </a:solidFill>
+            <a:headEnd type="none" w="med" len="med"/>
+            <a:tailEnd type="none" w="med" len="med"/>
+          </a:ln>
+          <a:effectLst/>
+        </p:spPr>
+        <p:style>
+          <a:lnRef idx="1">
+            <a:schemeClr val="accent2"/>
+          </a:lnRef>
+          <a:fillRef idx="3">
+            <a:schemeClr val="accent2"/>
+          </a:fillRef>
+          <a:effectRef idx="2">
+            <a:schemeClr val="accent2"/>
+          </a:effectRef>
+          <a:fontRef idx="minor">
+            <a:schemeClr val="lt1"/>
+          </a:fontRef>
+        </p:style>
+        <p:txBody>
+          <a:bodyPr rot="0" spcFirstLastPara="0" vertOverflow="overflow" horzOverflow="overflow" vert="horz" wrap="square" lIns="182880" tIns="146304" rIns="182880" bIns="146304" numCol="1" spcCol="0" rtlCol="0" fromWordArt="0" anchor="ctr" anchorCtr="0" forceAA="0" compatLnSpc="1">
+            <a:prstTxWarp prst="textNoShape">
+              <a:avLst/>
+            </a:prstTxWarp>
+            <a:noAutofit/>
+          </a:bodyPr>
+          <a:lstStyle/>
+          <a:p>
+            <a:pPr algn="ctr" defTabSz="932472" fontAlgn="base">
+              <a:lnSpc>
+                <a:spcPct val="90000"/>
+              </a:lnSpc>
+              <a:spcBef>
+                <a:spcPct val="0"/>
+              </a:spcBef>
+              <a:spcAft>
+                <a:spcPct val="0"/>
+              </a:spcAft>
+            </a:pPr>
+            <a:r>
+              <a:rPr lang="en-US" sz="1200" b="1" dirty="0">
+                <a:solidFill>
+                  <a:schemeClr val="tx1"/>
+                </a:solidFill>
+                <a:latin typeface="Arial" panose="020B0604020202020204" pitchFamily="34" charset="0"/>
+                <a:ea typeface="Segoe UI" pitchFamily="34" charset="0"/>
+                <a:cs typeface="Arial" panose="020B0604020202020204" pitchFamily="34" charset="0"/>
+              </a:rPr>
+              <a:t>Workspace 6</a:t>
+            </a:r>
+          </a:p>
+        </p:txBody>
+      </p:sp>
+      <p:sp>
+        <p:nvSpPr>
+          <p:cNvPr id="13" name="Rectangle 12">
+            <a:extLst>
+              <a:ext uri="{FF2B5EF4-FFF2-40B4-BE49-F238E27FC236}">
+                <a16:creationId xmlns:a16="http://schemas.microsoft.com/office/drawing/2014/main" id="{8842EC53-4F82-8EE1-D422-A56B8524490E}"/>
+              </a:ext>
+            </a:extLst>
+          </p:cNvPr>
+          <p:cNvSpPr/>
+          <p:nvPr/>
+        </p:nvSpPr>
+        <p:spPr bwMode="auto">
+          <a:xfrm>
+            <a:off x="1291803" y="5835807"/>
+            <a:ext cx="1757385" cy="339553"/>
+          </a:xfrm>
+          <a:prstGeom prst="rect">
+            <a:avLst/>
+          </a:prstGeom>
+          <a:solidFill>
+            <a:schemeClr val="bg2">
+              <a:lumMod val="85000"/>
+            </a:schemeClr>
+          </a:solidFill>
+          <a:ln>
+            <a:solidFill>
+              <a:schemeClr val="tx1"/>
+            </a:solidFill>
+            <a:headEnd type="none" w="med" len="med"/>
+            <a:tailEnd type="none" w="med" len="med"/>
+          </a:ln>
+          <a:effectLst/>
+        </p:spPr>
+        <p:style>
+          <a:lnRef idx="1">
+            <a:schemeClr val="accent2"/>
+          </a:lnRef>
+          <a:fillRef idx="3">
+            <a:schemeClr val="accent2"/>
+          </a:fillRef>
+          <a:effectRef idx="2">
+            <a:schemeClr val="accent2"/>
+          </a:effectRef>
+          <a:fontRef idx="minor">
+            <a:schemeClr val="lt1"/>
+          </a:fontRef>
+        </p:style>
+        <p:txBody>
+          <a:bodyPr rot="0" spcFirstLastPara="0" vertOverflow="overflow" horzOverflow="overflow" vert="horz" wrap="square" lIns="182880" tIns="146304" rIns="182880" bIns="146304" numCol="1" spcCol="0" rtlCol="0" fromWordArt="0" anchor="ctr" anchorCtr="0" forceAA="0" compatLnSpc="1">
+            <a:prstTxWarp prst="textNoShape">
+              <a:avLst/>
+            </a:prstTxWarp>
+            <a:noAutofit/>
+          </a:bodyPr>
+          <a:lstStyle/>
+          <a:p>
+            <a:pPr algn="ctr" defTabSz="932472" fontAlgn="base">
+              <a:lnSpc>
+                <a:spcPct val="90000"/>
+              </a:lnSpc>
+              <a:spcBef>
+                <a:spcPct val="0"/>
+              </a:spcBef>
+              <a:spcAft>
+                <a:spcPct val="0"/>
+              </a:spcAft>
+            </a:pPr>
+            <a:r>
+              <a:rPr lang="en-US" sz="1200" b="1" dirty="0">
+                <a:solidFill>
+                  <a:schemeClr val="tx1"/>
+                </a:solidFill>
+                <a:latin typeface="Arial" panose="020B0604020202020204" pitchFamily="34" charset="0"/>
+                <a:ea typeface="Segoe UI" pitchFamily="34" charset="0"/>
+                <a:cs typeface="Arial" panose="020B0604020202020204" pitchFamily="34" charset="0"/>
+              </a:rPr>
+              <a:t>Workspace 7</a:t>
+            </a:r>
+          </a:p>
+        </p:txBody>
+      </p:sp>
+      <p:sp>
+        <p:nvSpPr>
+          <p:cNvPr id="14" name="Rectangle 13">
+            <a:extLst>
+              <a:ext uri="{FF2B5EF4-FFF2-40B4-BE49-F238E27FC236}">
+                <a16:creationId xmlns:a16="http://schemas.microsoft.com/office/drawing/2014/main" id="{AD05C3EA-DB08-8C96-0B6D-1E05A6740D5B}"/>
+              </a:ext>
+            </a:extLst>
+          </p:cNvPr>
+          <p:cNvSpPr/>
+          <p:nvPr/>
+        </p:nvSpPr>
+        <p:spPr bwMode="auto">
+          <a:xfrm>
+            <a:off x="1291803" y="6279656"/>
+            <a:ext cx="1757385" cy="339553"/>
+          </a:xfrm>
+          <a:prstGeom prst="rect">
+            <a:avLst/>
+          </a:prstGeom>
+          <a:solidFill>
+            <a:schemeClr val="bg2">
+              <a:lumMod val="85000"/>
+            </a:schemeClr>
+          </a:solidFill>
+          <a:ln>
+            <a:solidFill>
+              <a:schemeClr val="tx1"/>
+            </a:solidFill>
+            <a:headEnd type="none" w="med" len="med"/>
+            <a:tailEnd type="none" w="med" len="med"/>
+          </a:ln>
+          <a:effectLst/>
+        </p:spPr>
+        <p:style>
+          <a:lnRef idx="1">
+            <a:schemeClr val="accent2"/>
+          </a:lnRef>
+          <a:fillRef idx="3">
+            <a:schemeClr val="accent2"/>
+          </a:fillRef>
+          <a:effectRef idx="2">
+            <a:schemeClr val="accent2"/>
+          </a:effectRef>
+          <a:fontRef idx="minor">
+            <a:schemeClr val="lt1"/>
+          </a:fontRef>
+        </p:style>
+        <p:txBody>
+          <a:bodyPr rot="0" spcFirstLastPara="0" vertOverflow="overflow" horzOverflow="overflow" vert="horz" wrap="square" lIns="182880" tIns="146304" rIns="182880" bIns="146304" numCol="1" spcCol="0" rtlCol="0" fromWordArt="0" anchor="ctr" anchorCtr="0" forceAA="0" compatLnSpc="1">
+            <a:prstTxWarp prst="textNoShape">
+              <a:avLst/>
+            </a:prstTxWarp>
+            <a:noAutofit/>
+          </a:bodyPr>
+          <a:lstStyle/>
+          <a:p>
+            <a:pPr algn="ctr" defTabSz="932472" fontAlgn="base">
+              <a:lnSpc>
+                <a:spcPct val="90000"/>
+              </a:lnSpc>
+              <a:spcBef>
+                <a:spcPct val="0"/>
+              </a:spcBef>
+              <a:spcAft>
+                <a:spcPct val="0"/>
+              </a:spcAft>
+            </a:pPr>
+            <a:r>
+              <a:rPr lang="en-US" sz="1200" b="1" dirty="0">
+                <a:solidFill>
+                  <a:schemeClr val="tx1"/>
+                </a:solidFill>
+                <a:latin typeface="Arial" panose="020B0604020202020204" pitchFamily="34" charset="0"/>
+                <a:ea typeface="Segoe UI" pitchFamily="34" charset="0"/>
+                <a:cs typeface="Arial" panose="020B0604020202020204" pitchFamily="34" charset="0"/>
+              </a:rPr>
+              <a:t>Workspace 8</a:t>
+            </a:r>
+          </a:p>
+        </p:txBody>
+      </p:sp>
+      <p:cxnSp>
+        <p:nvCxnSpPr>
+          <p:cNvPr id="15" name="Straight Arrow Connector 14">
+            <a:extLst>
+              <a:ext uri="{FF2B5EF4-FFF2-40B4-BE49-F238E27FC236}">
+                <a16:creationId xmlns:a16="http://schemas.microsoft.com/office/drawing/2014/main" id="{61DC60B8-E8D9-2A66-6EE0-0B36CD31603A}"/>
+              </a:ext>
+            </a:extLst>
+          </p:cNvPr>
+          <p:cNvCxnSpPr>
+            <a:cxnSpLocks/>
+          </p:cNvCxnSpPr>
+          <p:nvPr/>
+        </p:nvCxnSpPr>
+        <p:spPr>
+          <a:xfrm>
+            <a:off x="3049188" y="3343690"/>
+            <a:ext cx="921693" cy="0"/>
+          </a:xfrm>
+          <a:prstGeom prst="straightConnector1">
+            <a:avLst/>
+          </a:prstGeom>
+          <a:ln w="38100">
+            <a:solidFill>
+              <a:srgbClr val="6C0000"/>
+            </a:solidFill>
+            <a:headEnd type="none"/>
+            <a:tailEnd type="triangle"/>
+          </a:ln>
+        </p:spPr>
+        <p:style>
+          <a:lnRef idx="1">
+            <a:schemeClr val="accent1"/>
+          </a:lnRef>
+          <a:fillRef idx="0">
+            <a:schemeClr val="accent1"/>
+          </a:fillRef>
+          <a:effectRef idx="0">
+            <a:schemeClr val="accent1"/>
+          </a:effectRef>
+          <a:fontRef idx="minor">
+            <a:schemeClr val="tx1"/>
+          </a:fontRef>
+        </p:style>
+      </p:cxnSp>
+      <p:cxnSp>
+        <p:nvCxnSpPr>
+          <p:cNvPr id="16" name="Straight Arrow Connector 15">
+            <a:extLst>
+              <a:ext uri="{FF2B5EF4-FFF2-40B4-BE49-F238E27FC236}">
+                <a16:creationId xmlns:a16="http://schemas.microsoft.com/office/drawing/2014/main" id="{BF9F4882-1153-819E-0EFB-A63665B29619}"/>
+              </a:ext>
+            </a:extLst>
+          </p:cNvPr>
+          <p:cNvCxnSpPr>
+            <a:cxnSpLocks/>
+          </p:cNvCxnSpPr>
+          <p:nvPr/>
+        </p:nvCxnSpPr>
+        <p:spPr>
+          <a:xfrm flipV="1">
+            <a:off x="3049188" y="5900873"/>
+            <a:ext cx="921693" cy="124237"/>
+          </a:xfrm>
+          <a:prstGeom prst="straightConnector1">
+            <a:avLst/>
+          </a:prstGeom>
+          <a:ln w="38100">
+            <a:solidFill>
+              <a:srgbClr val="6C0000"/>
+            </a:solidFill>
+            <a:headEnd type="none"/>
+            <a:tailEnd type="triangle"/>
+          </a:ln>
+        </p:spPr>
+        <p:style>
+          <a:lnRef idx="1">
+            <a:schemeClr val="accent1"/>
+          </a:lnRef>
+          <a:fillRef idx="0">
+            <a:schemeClr val="accent1"/>
+          </a:fillRef>
+          <a:effectRef idx="0">
+            <a:schemeClr val="accent1"/>
+          </a:effectRef>
+          <a:fontRef idx="minor">
+            <a:schemeClr val="tx1"/>
+          </a:fontRef>
+        </p:style>
+      </p:cxnSp>
+      <p:cxnSp>
+        <p:nvCxnSpPr>
+          <p:cNvPr id="17" name="Straight Arrow Connector 16">
+            <a:extLst>
+              <a:ext uri="{FF2B5EF4-FFF2-40B4-BE49-F238E27FC236}">
+                <a16:creationId xmlns:a16="http://schemas.microsoft.com/office/drawing/2014/main" id="{48BE7A37-D846-326E-0B7B-8B86F1AEE2B4}"/>
+              </a:ext>
+            </a:extLst>
+          </p:cNvPr>
+          <p:cNvCxnSpPr>
+            <a:cxnSpLocks/>
+          </p:cNvCxnSpPr>
+          <p:nvPr/>
+        </p:nvCxnSpPr>
+        <p:spPr>
+          <a:xfrm flipV="1">
+            <a:off x="3049188" y="5525260"/>
+            <a:ext cx="921693" cy="52042"/>
+          </a:xfrm>
+          <a:prstGeom prst="straightConnector1">
+            <a:avLst/>
+          </a:prstGeom>
+          <a:ln w="38100">
+            <a:solidFill>
+              <a:srgbClr val="6C0000"/>
+            </a:solidFill>
+            <a:headEnd type="none"/>
+            <a:tailEnd type="triangle"/>
+          </a:ln>
+        </p:spPr>
+        <p:style>
+          <a:lnRef idx="1">
+            <a:schemeClr val="accent1"/>
+          </a:lnRef>
+          <a:fillRef idx="0">
+            <a:schemeClr val="accent1"/>
+          </a:fillRef>
+          <a:effectRef idx="0">
+            <a:schemeClr val="accent1"/>
+          </a:effectRef>
+          <a:fontRef idx="minor">
+            <a:schemeClr val="tx1"/>
+          </a:fontRef>
+        </p:style>
+      </p:cxnSp>
+      <p:cxnSp>
+        <p:nvCxnSpPr>
+          <p:cNvPr id="18" name="Straight Arrow Connector 17">
+            <a:extLst>
+              <a:ext uri="{FF2B5EF4-FFF2-40B4-BE49-F238E27FC236}">
+                <a16:creationId xmlns:a16="http://schemas.microsoft.com/office/drawing/2014/main" id="{613E4632-186E-8377-AF17-EB94D0E8E71A}"/>
+              </a:ext>
+            </a:extLst>
+          </p:cNvPr>
+          <p:cNvCxnSpPr>
+            <a:cxnSpLocks/>
+          </p:cNvCxnSpPr>
+          <p:nvPr/>
+        </p:nvCxnSpPr>
+        <p:spPr>
+          <a:xfrm>
+            <a:off x="3049188" y="5129495"/>
+            <a:ext cx="921693" cy="96548"/>
+          </a:xfrm>
+          <a:prstGeom prst="straightConnector1">
+            <a:avLst/>
+          </a:prstGeom>
+          <a:ln w="38100">
+            <a:solidFill>
+              <a:srgbClr val="6C0000"/>
+            </a:solidFill>
+            <a:headEnd type="none"/>
+            <a:tailEnd type="triangle"/>
+          </a:ln>
+        </p:spPr>
+        <p:style>
+          <a:lnRef idx="1">
+            <a:schemeClr val="accent1"/>
+          </a:lnRef>
+          <a:fillRef idx="0">
+            <a:schemeClr val="accent1"/>
+          </a:fillRef>
+          <a:effectRef idx="0">
+            <a:schemeClr val="accent1"/>
+          </a:effectRef>
+          <a:fontRef idx="minor">
+            <a:schemeClr val="tx1"/>
+          </a:fontRef>
+        </p:style>
+      </p:cxnSp>
+      <p:cxnSp>
+        <p:nvCxnSpPr>
+          <p:cNvPr id="19" name="Straight Arrow Connector 18">
+            <a:extLst>
+              <a:ext uri="{FF2B5EF4-FFF2-40B4-BE49-F238E27FC236}">
+                <a16:creationId xmlns:a16="http://schemas.microsoft.com/office/drawing/2014/main" id="{DD863EBC-D709-D81F-2A55-9253E9ECBCCD}"/>
+              </a:ext>
+            </a:extLst>
+          </p:cNvPr>
+          <p:cNvCxnSpPr>
+            <a:cxnSpLocks/>
+          </p:cNvCxnSpPr>
+          <p:nvPr/>
+        </p:nvCxnSpPr>
+        <p:spPr>
+          <a:xfrm>
+            <a:off x="3049188" y="4673544"/>
+            <a:ext cx="892262" cy="170265"/>
+          </a:xfrm>
+          <a:prstGeom prst="straightConnector1">
+            <a:avLst/>
+          </a:prstGeom>
+          <a:ln w="38100">
+            <a:solidFill>
+              <a:srgbClr val="6C0000"/>
+            </a:solidFill>
+            <a:headEnd type="none"/>
+            <a:tailEnd type="triangle"/>
+          </a:ln>
+        </p:spPr>
+        <p:style>
+          <a:lnRef idx="1">
+            <a:schemeClr val="accent1"/>
+          </a:lnRef>
+          <a:fillRef idx="0">
+            <a:schemeClr val="accent1"/>
+          </a:fillRef>
+          <a:effectRef idx="0">
+            <a:schemeClr val="accent1"/>
+          </a:effectRef>
+          <a:fontRef idx="minor">
+            <a:schemeClr val="tx1"/>
+          </a:fontRef>
+        </p:style>
+      </p:cxnSp>
+      <p:cxnSp>
+        <p:nvCxnSpPr>
+          <p:cNvPr id="20" name="Straight Arrow Connector 19">
+            <a:extLst>
+              <a:ext uri="{FF2B5EF4-FFF2-40B4-BE49-F238E27FC236}">
+                <a16:creationId xmlns:a16="http://schemas.microsoft.com/office/drawing/2014/main" id="{0153A5FE-2756-CCC5-6196-10FEAFA72B4A}"/>
+              </a:ext>
+            </a:extLst>
+          </p:cNvPr>
+          <p:cNvCxnSpPr>
+            <a:cxnSpLocks/>
+          </p:cNvCxnSpPr>
+          <p:nvPr/>
+        </p:nvCxnSpPr>
+        <p:spPr>
+          <a:xfrm flipV="1">
+            <a:off x="3049188" y="4173478"/>
+            <a:ext cx="921693" cy="68542"/>
+          </a:xfrm>
+          <a:prstGeom prst="straightConnector1">
+            <a:avLst/>
+          </a:prstGeom>
+          <a:ln w="38100">
+            <a:solidFill>
+              <a:srgbClr val="6C0000"/>
+            </a:solidFill>
+            <a:headEnd type="none"/>
+            <a:tailEnd type="triangle"/>
+          </a:ln>
+        </p:spPr>
+        <p:style>
+          <a:lnRef idx="1">
+            <a:schemeClr val="accent1"/>
+          </a:lnRef>
+          <a:fillRef idx="0">
+            <a:schemeClr val="accent1"/>
+          </a:fillRef>
+          <a:effectRef idx="0">
+            <a:schemeClr val="accent1"/>
+          </a:effectRef>
+          <a:fontRef idx="minor">
+            <a:schemeClr val="tx1"/>
+          </a:fontRef>
+        </p:style>
+      </p:cxnSp>
+      <p:cxnSp>
+        <p:nvCxnSpPr>
+          <p:cNvPr id="21" name="Straight Arrow Connector 20">
+            <a:extLst>
+              <a:ext uri="{FF2B5EF4-FFF2-40B4-BE49-F238E27FC236}">
+                <a16:creationId xmlns:a16="http://schemas.microsoft.com/office/drawing/2014/main" id="{4E8F8058-535E-A17E-B3D0-F630E2A6EB48}"/>
+              </a:ext>
+            </a:extLst>
+          </p:cNvPr>
+          <p:cNvCxnSpPr>
+            <a:cxnSpLocks/>
+          </p:cNvCxnSpPr>
+          <p:nvPr/>
+        </p:nvCxnSpPr>
+        <p:spPr>
+          <a:xfrm>
+            <a:off x="3049188" y="3786070"/>
+            <a:ext cx="921693" cy="64848"/>
+          </a:xfrm>
+          <a:prstGeom prst="straightConnector1">
+            <a:avLst/>
+          </a:prstGeom>
+          <a:ln w="38100">
+            <a:solidFill>
+              <a:srgbClr val="6C0000"/>
+            </a:solidFill>
+            <a:headEnd type="none"/>
+            <a:tailEnd type="triangle"/>
+          </a:ln>
+        </p:spPr>
+        <p:style>
+          <a:lnRef idx="1">
+            <a:schemeClr val="accent1"/>
+          </a:lnRef>
+          <a:fillRef idx="0">
+            <a:schemeClr val="accent1"/>
+          </a:fillRef>
+          <a:effectRef idx="0">
+            <a:schemeClr val="accent1"/>
+          </a:effectRef>
+          <a:fontRef idx="minor">
+            <a:schemeClr val="tx1"/>
+          </a:fontRef>
+        </p:style>
+      </p:cxnSp>
+    </p:spTree>
+    <p:extLst>
+      <p:ext uri="{BB962C8B-B14F-4D97-AF65-F5344CB8AC3E}">
+        <p14:creationId xmlns:p14="http://schemas.microsoft.com/office/powerpoint/2010/main" val="3963044379"/>
+      </p:ext>
+    </p:extLst>
+  </p:cSld>
+  <p:clrMapOvr>
+    <a:masterClrMapping/>
+  </p:clrMapOvr>
+  <p:transition>
+    <p:fade/>
+  </p:transition>
+</p:sld>
+</file>
+
+<file path=ppt/slides/slide11.xml><?xml version="1.0" encoding="utf-8"?>
+<p:sld xmlns:a="http://schemas.openxmlformats.org/drawingml/2006/main" xmlns:r="http://schemas.openxmlformats.org/officeDocument/2006/relationships" xmlns:p="http://schemas.openxmlformats.org/presentationml/2006/main">
+  <p:cSld>
+    <p:spTree>
+      <p:nvGrpSpPr>
+        <p:cNvPr id="1" name=""/>
+        <p:cNvGrpSpPr/>
+        <p:nvPr/>
+      </p:nvGrpSpPr>
+      <p:grpSpPr>
+        <a:xfrm>
+          <a:off x="0" y="0"/>
+          <a:ext cx="0" cy="0"/>
+          <a:chOff x="0" y="0"/>
+          <a:chExt cx="0" cy="0"/>
+        </a:xfrm>
+      </p:grpSpPr>
+      <p:sp>
+        <p:nvSpPr>
+          <p:cNvPr id="2" name="Title 1">
+            <a:extLst>
+              <a:ext uri="{FF2B5EF4-FFF2-40B4-BE49-F238E27FC236}">
                 <a16:creationId xmlns:a16="http://schemas.microsoft.com/office/drawing/2014/main" id="{D328232E-6B47-D13D-D5E3-B3989F91A3CE}"/>
               </a:ext>
             </a:extLst>
@@ -11224,7 +12621,7 @@
 </p:sld>
 </file>
 
-<file path=ppt/slides/slide11.xml><?xml version="1.0" encoding="utf-8"?>
+<file path=ppt/slides/slide12.xml><?xml version="1.0" encoding="utf-8"?>
 <p:sld xmlns:a="http://schemas.openxmlformats.org/drawingml/2006/main" xmlns:r="http://schemas.openxmlformats.org/officeDocument/2006/relationships" xmlns:p="http://schemas.openxmlformats.org/presentationml/2006/main">
   <p:cSld>
     <p:spTree>
@@ -12454,7 +13851,7 @@
 </p:sld>
 </file>
 
-<file path=ppt/slides/slide12.xml><?xml version="1.0" encoding="utf-8"?>
+<file path=ppt/slides/slide13.xml><?xml version="1.0" encoding="utf-8"?>
 <p:sld xmlns:a="http://schemas.openxmlformats.org/drawingml/2006/main" xmlns:r="http://schemas.openxmlformats.org/officeDocument/2006/relationships" xmlns:p="http://schemas.openxmlformats.org/presentationml/2006/main">
   <p:cSld>
     <p:spTree>
@@ -13680,7 +15077,7 @@
         </p:nvGrpSpPr>
         <p:grpSpPr>
           <a:xfrm>
-            <a:off x="8628712" y="4288791"/>
+            <a:off x="8521133" y="4288791"/>
             <a:ext cx="3487086" cy="2454646"/>
             <a:chOff x="5643164" y="3951148"/>
             <a:chExt cx="4052815" cy="2895409"/>
@@ -15777,7 +17174,7 @@
 </p:sld>
 </file>
 
-<file path=ppt/slides/slide13.xml><?xml version="1.0" encoding="utf-8"?>
+<file path=ppt/slides/slide14.xml><?xml version="1.0" encoding="utf-8"?>
 <p:sld xmlns:a="http://schemas.openxmlformats.org/drawingml/2006/main" xmlns:r="http://schemas.openxmlformats.org/officeDocument/2006/relationships" xmlns:p="http://schemas.openxmlformats.org/presentationml/2006/main">
   <p:cSld>
     <p:spTree>
@@ -15844,7 +17241,12 @@
             <p:ph type="body" sz="quarter" idx="10"/>
           </p:nvPr>
         </p:nvSpPr>
-        <p:spPr/>
+        <p:spPr>
+          <a:xfrm>
+            <a:off x="511277" y="1227439"/>
+            <a:ext cx="11604521" cy="1523494"/>
+          </a:xfrm>
+        </p:spPr>
         <p:txBody>
           <a:bodyPr/>
           <a:lstStyle/>
@@ -15858,7 +17260,31 @@
             <a:pPr lvl="1"/>
             <a:r>
               <a:rPr lang="en-US" dirty="0"/>
-              <a:t>Notebook definition depends on workspace id and lakehouse id for its default lakehouse</a:t>
+              <a:t>Notebook definition depends on </a:t>
+            </a:r>
+            <a:r>
+              <a:rPr lang="en-US" sz="1800" b="1" dirty="0">
+                <a:solidFill>
+                  <a:srgbClr val="8A0000"/>
+                </a:solidFill>
+              </a:rPr>
+              <a:t>workspace id</a:t>
+            </a:r>
+            <a:r>
+              <a:rPr lang="en-US" dirty="0"/>
+              <a:t> and </a:t>
+            </a:r>
+            <a:r>
+              <a:rPr lang="en-US" sz="1800" b="1" dirty="0">
+                <a:solidFill>
+                  <a:srgbClr val="8A0000"/>
+                </a:solidFill>
+              </a:rPr>
+              <a:t>lakehouse id</a:t>
+            </a:r>
+            <a:r>
+              <a:rPr lang="en-US" dirty="0"/>
+              <a:t> to reference its default lakehouse</a:t>
             </a:r>
           </a:p>
           <a:p>
@@ -15899,7 +17325,7 @@
         </p:blipFill>
         <p:spPr>
           <a:xfrm>
-            <a:off x="886437" y="3118763"/>
+            <a:off x="1038837" y="3029116"/>
             <a:ext cx="10854200" cy="2655814"/>
           </a:xfrm>
           <a:prstGeom prst="rect">
@@ -15928,7 +17354,7 @@
 </p:sld>
 </file>
 
-<file path=ppt/slides/slide14.xml><?xml version="1.0" encoding="utf-8"?>
+<file path=ppt/slides/slide15.xml><?xml version="1.0" encoding="utf-8"?>
 <p:sld xmlns:a="http://schemas.openxmlformats.org/drawingml/2006/main" xmlns:r="http://schemas.openxmlformats.org/officeDocument/2006/relationships" xmlns:p="http://schemas.openxmlformats.org/presentationml/2006/main">
   <p:cSld>
     <p:spTree>
@@ -16731,7 +18157,7 @@
 </p:sld>
 </file>
 
-<file path=ppt/slides/slide15.xml><?xml version="1.0" encoding="utf-8"?>
+<file path=ppt/slides/slide16.xml><?xml version="1.0" encoding="utf-8"?>
 <p:sld xmlns:a="http://schemas.openxmlformats.org/drawingml/2006/main" xmlns:r="http://schemas.openxmlformats.org/officeDocument/2006/relationships" xmlns:p="http://schemas.openxmlformats.org/presentationml/2006/main">
   <p:cSld>
     <p:spTree>
@@ -16801,7 +18227,7 @@
         <p:spPr>
           <a:xfrm>
             <a:off x="511277" y="1227439"/>
-            <a:ext cx="11604521" cy="6309420"/>
+            <a:ext cx="11604521" cy="5401479"/>
           </a:xfrm>
         </p:spPr>
         <p:txBody>
@@ -16835,7 +18261,31 @@
             <a:pPr lvl="1"/>
             <a:r>
               <a:rPr lang="en-US" dirty="0"/>
-              <a:t>Query lakehouse properties to discover SQL endpoint connect string</a:t>
+              <a:t>Query lakehouse properties to discover SQL endpoint </a:t>
+            </a:r>
+            <a:r>
+              <a:rPr lang="en-US" sz="1800" b="1" dirty="0">
+                <a:solidFill>
+                  <a:srgbClr val="8A0000"/>
+                </a:solidFill>
+              </a:rPr>
+              <a:t>server</a:t>
+            </a:r>
+            <a:r>
+              <a:rPr lang="en-US" dirty="0"/>
+              <a:t> connect string and </a:t>
+            </a:r>
+            <a:r>
+              <a:rPr lang="en-US" sz="1800" b="1" dirty="0">
+                <a:solidFill>
+                  <a:srgbClr val="8A0000"/>
+                </a:solidFill>
+              </a:rPr>
+              <a:t>database</a:t>
+            </a:r>
+            <a:r>
+              <a:rPr lang="en-US" dirty="0"/>
+              <a:t> Id</a:t>
             </a:r>
           </a:p>
           <a:p>
@@ -16852,14 +18302,39 @@
             <a:pPr lvl="1"/>
             <a:r>
               <a:rPr lang="en-US" dirty="0"/>
-              <a:t>Create notebook using item definition that includes workspace id &amp; lakehouse id</a:t>
-            </a:r>
+              <a:t>Create notebook using item definition that includes </a:t>
+            </a:r>
+            <a:r>
+              <a:rPr lang="en-US" sz="1800" b="1" dirty="0">
+                <a:solidFill>
+                  <a:srgbClr val="8A0000"/>
+                </a:solidFill>
+              </a:rPr>
+              <a:t>workspace id</a:t>
+            </a:r>
+            <a:r>
+              <a:rPr lang="en-US" dirty="0"/>
+              <a:t> &amp; </a:t>
+            </a:r>
+            <a:r>
+              <a:rPr lang="en-US" sz="1800" b="1" dirty="0">
+                <a:solidFill>
+                  <a:srgbClr val="8A0000"/>
+                </a:solidFill>
+              </a:rPr>
+              <a:t>lakehouse id</a:t>
+            </a:r>
+            <a:endParaRPr lang="en-US" b="1" dirty="0">
+              <a:solidFill>
+                <a:srgbClr val="8A0000"/>
+              </a:solidFill>
+            </a:endParaRPr>
           </a:p>
           <a:p>
             <a:pPr lvl="1"/>
             <a:r>
               <a:rPr lang="en-US" dirty="0"/>
-              <a:t>After creation, run notebook and monitor execution until completion</a:t>
+              <a:t>Run notebook and monitor execution until completion to create lakehouse table schema </a:t>
             </a:r>
           </a:p>
           <a:p>
@@ -16883,14 +18358,26 @@
             <a:pPr lvl="1"/>
             <a:r>
               <a:rPr lang="en-US" dirty="0"/>
-              <a:t>After creation, track semantic model id for later use</a:t>
+              <a:t>After creation, track </a:t>
+            </a:r>
+            <a:r>
+              <a:rPr lang="en-US" sz="1800" b="1" dirty="0">
+                <a:solidFill>
+                  <a:srgbClr val="8A0000"/>
+                </a:solidFill>
+              </a:rPr>
+              <a:t>semantic model id</a:t>
+            </a:r>
+            <a:r>
+              <a:rPr lang="en-US" dirty="0"/>
+              <a:t> for later use</a:t>
             </a:r>
           </a:p>
           <a:p>
             <a:pPr lvl="1"/>
             <a:r>
               <a:rPr lang="en-US" dirty="0"/>
-              <a:t>After creation, create &amp; bind connection and then refresh semantic model</a:t>
+              <a:t>After creation, create &amp; bind connection and then refresh semantic model (if required)</a:t>
             </a:r>
           </a:p>
           <a:p>
@@ -16907,15 +18394,21 @@
             <a:pPr lvl="1"/>
             <a:r>
               <a:rPr lang="en-US" dirty="0"/>
-              <a:t>Create report using updated item definition that includes semantic model id</a:t>
-            </a:r>
-          </a:p>
-          <a:p>
-            <a:pPr lvl="1"/>
-            <a:endParaRPr lang="en-US" dirty="0"/>
-          </a:p>
-          <a:p>
-            <a:endParaRPr lang="en-US" dirty="0"/>
+              <a:t>Create report using updated item definition that includes </a:t>
+            </a:r>
+            <a:r>
+              <a:rPr lang="en-US" sz="1800" b="1" dirty="0">
+                <a:solidFill>
+                  <a:srgbClr val="8A0000"/>
+                </a:solidFill>
+              </a:rPr>
+              <a:t>semantic model id</a:t>
+            </a:r>
+            <a:endParaRPr lang="en-US" b="1" dirty="0">
+              <a:solidFill>
+                <a:srgbClr val="8A0000"/>
+              </a:solidFill>
+            </a:endParaRPr>
           </a:p>
         </p:txBody>
       </p:sp>
@@ -17440,7 +18933,7 @@
 </p:sld>
 </file>
 
-<file path=ppt/slides/slide16.xml><?xml version="1.0" encoding="utf-8"?>
+<file path=ppt/slides/slide17.xml><?xml version="1.0" encoding="utf-8"?>
 <p:sld xmlns:a="http://schemas.openxmlformats.org/drawingml/2006/main" xmlns:r="http://schemas.openxmlformats.org/officeDocument/2006/relationships" xmlns:p="http://schemas.openxmlformats.org/presentationml/2006/main">
   <p:cSld>
     <p:spTree>
@@ -17531,7 +19024,7 @@
 </p:sld>
 </file>
 
-<file path=ppt/slides/slide17.xml><?xml version="1.0" encoding="utf-8"?>
+<file path=ppt/slides/slide18.xml><?xml version="1.0" encoding="utf-8"?>
 <p:sld xmlns:a="http://schemas.openxmlformats.org/drawingml/2006/main" xmlns:r="http://schemas.openxmlformats.org/officeDocument/2006/relationships" xmlns:p="http://schemas.openxmlformats.org/presentationml/2006/main">
   <p:cSld>
     <p:spTree>
@@ -17878,7 +19371,19 @@
             <a:pPr lvl="1"/>
             <a:r>
               <a:rPr lang="en-US" dirty="0"/>
-              <a:t>Developer calls Create Item to create new item in solution workspace</a:t>
+              <a:t>Developer calls </a:t>
+            </a:r>
+            <a:r>
+              <a:rPr lang="en-US" sz="2000" b="1" dirty="0">
+                <a:solidFill>
+                  <a:srgbClr val="8A0000"/>
+                </a:solidFill>
+              </a:rPr>
+              <a:t>Create Item</a:t>
+            </a:r>
+            <a:r>
+              <a:rPr lang="en-US" dirty="0"/>
+              <a:t> to create new item in solution workspace</a:t>
             </a:r>
           </a:p>
         </p:txBody>
@@ -17899,7 +19404,7 @@
 </p:sld>
 </file>
 
-<file path=ppt/slides/slide18.xml><?xml version="1.0" encoding="utf-8"?>
+<file path=ppt/slides/slide19.xml><?xml version="1.0" encoding="utf-8"?>
 <p:sld xmlns:a="http://schemas.openxmlformats.org/drawingml/2006/main" xmlns:r="http://schemas.openxmlformats.org/officeDocument/2006/relationships" xmlns:p="http://schemas.openxmlformats.org/presentationml/2006/main" showMasterSp="0">
   <p:cSld>
     <p:spTree>
@@ -18203,390 +19708,6 @@
 </p:sld>
 </file>
 
-<file path=ppt/slides/slide19.xml><?xml version="1.0" encoding="utf-8"?>
-<p:sld xmlns:a="http://schemas.openxmlformats.org/drawingml/2006/main" xmlns:r="http://schemas.openxmlformats.org/officeDocument/2006/relationships" xmlns:p="http://schemas.openxmlformats.org/presentationml/2006/main">
-  <p:cSld>
-    <p:spTree>
-      <p:nvGrpSpPr>
-        <p:cNvPr id="1" name=""/>
-        <p:cNvGrpSpPr/>
-        <p:nvPr/>
-      </p:nvGrpSpPr>
-      <p:grpSpPr>
-        <a:xfrm>
-          <a:off x="0" y="0"/>
-          <a:ext cx="0" cy="0"/>
-          <a:chOff x="0" y="0"/>
-          <a:chExt cx="0" cy="0"/>
-        </a:xfrm>
-      </p:grpSpPr>
-      <p:sp>
-        <p:nvSpPr>
-          <p:cNvPr id="7" name="Title 6">
-            <a:extLst>
-              <a:ext uri="{FF2B5EF4-FFF2-40B4-BE49-F238E27FC236}">
-                <a16:creationId xmlns:a16="http://schemas.microsoft.com/office/drawing/2014/main" id="{1100FE8D-C97F-88C6-7D0C-1EAFB1823B3B}"/>
-              </a:ext>
-            </a:extLst>
-          </p:cNvPr>
-          <p:cNvSpPr>
-            <a:spLocks noGrp="1"/>
-          </p:cNvSpPr>
-          <p:nvPr>
-            <p:ph type="title"/>
-          </p:nvPr>
-        </p:nvSpPr>
-        <p:spPr/>
-        <p:txBody>
-          <a:bodyPr/>
-          <a:lstStyle/>
-          <a:p>
-            <a:r>
-              <a:rPr lang="en-US" dirty="0"/>
-              <a:t>Update Solution from Workspace Template</a:t>
-            </a:r>
-          </a:p>
-        </p:txBody>
-      </p:sp>
-      <p:sp>
-        <p:nvSpPr>
-          <p:cNvPr id="15" name="Text Placeholder 14">
-            <a:extLst>
-              <a:ext uri="{FF2B5EF4-FFF2-40B4-BE49-F238E27FC236}">
-                <a16:creationId xmlns:a16="http://schemas.microsoft.com/office/drawing/2014/main" id="{EF8FD7AA-4A8E-F874-F437-E0161E2BCCB2}"/>
-              </a:ext>
-            </a:extLst>
-          </p:cNvPr>
-          <p:cNvSpPr>
-            <a:spLocks noGrp="1"/>
-          </p:cNvSpPr>
-          <p:nvPr>
-            <p:ph type="body" sz="quarter" idx="10"/>
-          </p:nvPr>
-        </p:nvSpPr>
-        <p:spPr>
-          <a:xfrm>
-            <a:off x="511277" y="1227439"/>
-            <a:ext cx="11604521" cy="2292935"/>
-          </a:xfrm>
-        </p:spPr>
-        <p:txBody>
-          <a:bodyPr/>
-          <a:lstStyle/>
-          <a:p>
-            <a:r>
-              <a:rPr lang="en-US" dirty="0"/>
-              <a:t>Developer needs a way to update existing items with change in template workspace</a:t>
-            </a:r>
-          </a:p>
-          <a:p>
-            <a:pPr lvl="1"/>
-            <a:r>
-              <a:rPr lang="en-US" dirty="0"/>
-              <a:t>Using Delete and Create operation is not good because it changes workspace item Id</a:t>
-            </a:r>
-          </a:p>
-          <a:p>
-            <a:pPr lvl="1"/>
-            <a:r>
-              <a:rPr lang="en-US" dirty="0"/>
-              <a:t>Developer calls </a:t>
-            </a:r>
-            <a:r>
-              <a:rPr lang="en-US" sz="1800" b="1" dirty="0">
-                <a:solidFill>
-                  <a:srgbClr val="6C0000"/>
-                </a:solidFill>
-              </a:rPr>
-              <a:t>Update Item Definition</a:t>
-            </a:r>
-            <a:r>
-              <a:rPr lang="en-US" dirty="0"/>
-              <a:t> to update solution items from template items</a:t>
-            </a:r>
-          </a:p>
-          <a:p>
-            <a:pPr lvl="1"/>
-            <a:r>
-              <a:rPr lang="en-US" dirty="0"/>
-              <a:t>Update logic can also control adding and removing workspace items from </a:t>
-            </a:r>
-            <a:r>
-              <a:rPr lang="en-US" dirty="0" err="1"/>
-              <a:t>workpsace</a:t>
-            </a:r>
-            <a:r>
-              <a:rPr lang="en-US" dirty="0"/>
-              <a:t> template</a:t>
-            </a:r>
-          </a:p>
-          <a:p>
-            <a:pPr lvl="1"/>
-            <a:endParaRPr lang="en-US" dirty="0"/>
-          </a:p>
-          <a:p>
-            <a:pPr lvl="1"/>
-            <a:endParaRPr lang="en-US" dirty="0"/>
-          </a:p>
-        </p:txBody>
-      </p:sp>
-      <p:pic>
-        <p:nvPicPr>
-          <p:cNvPr id="10" name="Picture 9">
-            <a:extLst>
-              <a:ext uri="{FF2B5EF4-FFF2-40B4-BE49-F238E27FC236}">
-                <a16:creationId xmlns:a16="http://schemas.microsoft.com/office/drawing/2014/main" id="{7A71A0F7-981D-7D14-8828-874810969024}"/>
-              </a:ext>
-            </a:extLst>
-          </p:cNvPr>
-          <p:cNvPicPr>
-            <a:picLocks noChangeAspect="1"/>
-          </p:cNvPicPr>
-          <p:nvPr/>
-        </p:nvPicPr>
-        <p:blipFill>
-          <a:blip r:embed="rId2"/>
-          <a:stretch>
-            <a:fillRect/>
-          </a:stretch>
-        </p:blipFill>
-        <p:spPr>
-          <a:xfrm>
-            <a:off x="8333868" y="2969399"/>
-            <a:ext cx="2823332" cy="2594179"/>
-          </a:xfrm>
-          <a:prstGeom prst="rect">
-            <a:avLst/>
-          </a:prstGeom>
-          <a:ln>
-            <a:solidFill>
-              <a:schemeClr val="tx1">
-                <a:lumMod val="50000"/>
-                <a:lumOff val="50000"/>
-              </a:schemeClr>
-            </a:solidFill>
-          </a:ln>
-        </p:spPr>
-      </p:pic>
-      <p:sp>
-        <p:nvSpPr>
-          <p:cNvPr id="11" name="Rectangle: Rounded Corners 10">
-            <a:extLst>
-              <a:ext uri="{FF2B5EF4-FFF2-40B4-BE49-F238E27FC236}">
-                <a16:creationId xmlns:a16="http://schemas.microsoft.com/office/drawing/2014/main" id="{57985FFF-0907-7AAE-EA73-FEBDC31C93B2}"/>
-              </a:ext>
-            </a:extLst>
-          </p:cNvPr>
-          <p:cNvSpPr/>
-          <p:nvPr/>
-        </p:nvSpPr>
-        <p:spPr>
-          <a:xfrm>
-            <a:off x="4674715" y="3436052"/>
-            <a:ext cx="2654211" cy="1703429"/>
-          </a:xfrm>
-          <a:prstGeom prst="roundRect">
-            <a:avLst/>
-          </a:prstGeom>
-          <a:solidFill>
-            <a:schemeClr val="accent2"/>
-          </a:solidFill>
-        </p:spPr>
-        <p:style>
-          <a:lnRef idx="2">
-            <a:schemeClr val="accent1">
-              <a:shade val="15000"/>
-            </a:schemeClr>
-          </a:lnRef>
-          <a:fillRef idx="1">
-            <a:schemeClr val="accent1"/>
-          </a:fillRef>
-          <a:effectRef idx="0">
-            <a:schemeClr val="accent1"/>
-          </a:effectRef>
-          <a:fontRef idx="minor">
-            <a:schemeClr val="lt1"/>
-          </a:fontRef>
-        </p:style>
-        <p:txBody>
-          <a:bodyPr rtlCol="0" anchor="ctr"/>
-          <a:lstStyle/>
-          <a:p>
-            <a:pPr algn="ctr"/>
-            <a:r>
-              <a:rPr lang="en-US" sz="1632" dirty="0"/>
-              <a:t>Update Solution Logic</a:t>
-            </a:r>
-          </a:p>
-          <a:p>
-            <a:pPr algn="ctr"/>
-            <a:r>
-              <a:rPr lang="en-US" sz="1020" b="1" dirty="0">
-                <a:solidFill>
-                  <a:srgbClr val="FFFF00"/>
-                </a:solidFill>
-              </a:rPr>
-              <a:t>Implemented Using Fabric REST APIs</a:t>
-            </a:r>
-            <a:endParaRPr lang="en-US" sz="1071" b="1" dirty="0">
-              <a:solidFill>
-                <a:srgbClr val="FFFF00"/>
-              </a:solidFill>
-            </a:endParaRPr>
-          </a:p>
-        </p:txBody>
-      </p:sp>
-      <p:sp>
-        <p:nvSpPr>
-          <p:cNvPr id="12" name="Arrow: Right 11">
-            <a:extLst>
-              <a:ext uri="{FF2B5EF4-FFF2-40B4-BE49-F238E27FC236}">
-                <a16:creationId xmlns:a16="http://schemas.microsoft.com/office/drawing/2014/main" id="{0D1E10CE-E703-4656-E318-9B49006D1C9B}"/>
-              </a:ext>
-            </a:extLst>
-          </p:cNvPr>
-          <p:cNvSpPr/>
-          <p:nvPr/>
-        </p:nvSpPr>
-        <p:spPr>
-          <a:xfrm>
-            <a:off x="3886778" y="3976241"/>
-            <a:ext cx="712662" cy="580498"/>
-          </a:xfrm>
-          <a:prstGeom prst="rightArrow">
-            <a:avLst/>
-          </a:prstGeom>
-          <a:solidFill>
-            <a:schemeClr val="accent2"/>
-          </a:solidFill>
-        </p:spPr>
-        <p:style>
-          <a:lnRef idx="2">
-            <a:schemeClr val="accent1">
-              <a:shade val="15000"/>
-            </a:schemeClr>
-          </a:lnRef>
-          <a:fillRef idx="1">
-            <a:schemeClr val="accent1"/>
-          </a:fillRef>
-          <a:effectRef idx="0">
-            <a:schemeClr val="accent1"/>
-          </a:effectRef>
-          <a:fontRef idx="minor">
-            <a:schemeClr val="lt1"/>
-          </a:fontRef>
-        </p:style>
-        <p:txBody>
-          <a:bodyPr rtlCol="0" anchor="ctr"/>
-          <a:lstStyle/>
-          <a:p>
-            <a:pPr algn="ctr"/>
-            <a:endParaRPr lang="en-US" sz="1836"/>
-          </a:p>
-        </p:txBody>
-      </p:sp>
-      <p:sp>
-        <p:nvSpPr>
-          <p:cNvPr id="13" name="Arrow: Right 12">
-            <a:extLst>
-              <a:ext uri="{FF2B5EF4-FFF2-40B4-BE49-F238E27FC236}">
-                <a16:creationId xmlns:a16="http://schemas.microsoft.com/office/drawing/2014/main" id="{73F62881-7921-66CD-07C0-D1E910172352}"/>
-              </a:ext>
-            </a:extLst>
-          </p:cNvPr>
-          <p:cNvSpPr/>
-          <p:nvPr/>
-        </p:nvSpPr>
-        <p:spPr>
-          <a:xfrm>
-            <a:off x="7482451" y="3997516"/>
-            <a:ext cx="697892" cy="580498"/>
-          </a:xfrm>
-          <a:prstGeom prst="rightArrow">
-            <a:avLst/>
-          </a:prstGeom>
-          <a:solidFill>
-            <a:schemeClr val="accent2"/>
-          </a:solidFill>
-        </p:spPr>
-        <p:style>
-          <a:lnRef idx="2">
-            <a:schemeClr val="accent1">
-              <a:shade val="15000"/>
-            </a:schemeClr>
-          </a:lnRef>
-          <a:fillRef idx="1">
-            <a:schemeClr val="accent1"/>
-          </a:fillRef>
-          <a:effectRef idx="0">
-            <a:schemeClr val="accent1"/>
-          </a:effectRef>
-          <a:fontRef idx="minor">
-            <a:schemeClr val="lt1"/>
-          </a:fontRef>
-        </p:style>
-        <p:txBody>
-          <a:bodyPr rtlCol="0" anchor="ctr"/>
-          <a:lstStyle/>
-          <a:p>
-            <a:pPr algn="ctr"/>
-            <a:endParaRPr lang="en-US" sz="1836"/>
-          </a:p>
-        </p:txBody>
-      </p:sp>
-      <p:pic>
-        <p:nvPicPr>
-          <p:cNvPr id="14" name="Picture 13">
-            <a:extLst>
-              <a:ext uri="{FF2B5EF4-FFF2-40B4-BE49-F238E27FC236}">
-                <a16:creationId xmlns:a16="http://schemas.microsoft.com/office/drawing/2014/main" id="{1D85273D-95F5-38A9-DEFF-DBEB9F9EA11D}"/>
-              </a:ext>
-            </a:extLst>
-          </p:cNvPr>
-          <p:cNvPicPr>
-            <a:picLocks noChangeAspect="1"/>
-          </p:cNvPicPr>
-          <p:nvPr/>
-        </p:nvPicPr>
-        <p:blipFill>
-          <a:blip r:embed="rId3"/>
-          <a:srcRect r="8864"/>
-          <a:stretch/>
-        </p:blipFill>
-        <p:spPr>
-          <a:xfrm>
-            <a:off x="1008453" y="2969400"/>
-            <a:ext cx="2764027" cy="2594179"/>
-          </a:xfrm>
-          <a:prstGeom prst="rect">
-            <a:avLst/>
-          </a:prstGeom>
-          <a:ln>
-            <a:solidFill>
-              <a:schemeClr val="tx1">
-                <a:lumMod val="50000"/>
-                <a:lumOff val="50000"/>
-              </a:schemeClr>
-            </a:solidFill>
-          </a:ln>
-        </p:spPr>
-      </p:pic>
-    </p:spTree>
-    <p:extLst>
-      <p:ext uri="{BB962C8B-B14F-4D97-AF65-F5344CB8AC3E}">
-        <p14:creationId xmlns:p14="http://schemas.microsoft.com/office/powerpoint/2010/main" val="4189817416"/>
-      </p:ext>
-    </p:extLst>
-  </p:cSld>
-  <p:clrMapOvr>
-    <a:masterClrMapping/>
-  </p:clrMapOvr>
-  <p:transition>
-    <p:fade/>
-  </p:transition>
-</p:sld>
-</file>
-
 <file path=ppt/slides/slide2.xml><?xml version="1.0" encoding="utf-8"?>
 <p:sld xmlns:a="http://schemas.openxmlformats.org/drawingml/2006/main" xmlns:r="http://schemas.openxmlformats.org/officeDocument/2006/relationships" xmlns:p="http://schemas.openxmlformats.org/presentationml/2006/main">
   <p:cSld>
@@ -18694,6 +19815,393 @@
 </file>
 
 <file path=ppt/slides/slide20.xml><?xml version="1.0" encoding="utf-8"?>
+<p:sld xmlns:a="http://schemas.openxmlformats.org/drawingml/2006/main" xmlns:r="http://schemas.openxmlformats.org/officeDocument/2006/relationships" xmlns:p="http://schemas.openxmlformats.org/presentationml/2006/main">
+  <p:cSld>
+    <p:spTree>
+      <p:nvGrpSpPr>
+        <p:cNvPr id="1" name=""/>
+        <p:cNvGrpSpPr/>
+        <p:nvPr/>
+      </p:nvGrpSpPr>
+      <p:grpSpPr>
+        <a:xfrm>
+          <a:off x="0" y="0"/>
+          <a:ext cx="0" cy="0"/>
+          <a:chOff x="0" y="0"/>
+          <a:chExt cx="0" cy="0"/>
+        </a:xfrm>
+      </p:grpSpPr>
+      <p:sp>
+        <p:nvSpPr>
+          <p:cNvPr id="7" name="Title 6">
+            <a:extLst>
+              <a:ext uri="{FF2B5EF4-FFF2-40B4-BE49-F238E27FC236}">
+                <a16:creationId xmlns:a16="http://schemas.microsoft.com/office/drawing/2014/main" id="{1100FE8D-C97F-88C6-7D0C-1EAFB1823B3B}"/>
+              </a:ext>
+            </a:extLst>
+          </p:cNvPr>
+          <p:cNvSpPr>
+            <a:spLocks noGrp="1"/>
+          </p:cNvSpPr>
+          <p:nvPr>
+            <p:ph type="title"/>
+          </p:nvPr>
+        </p:nvSpPr>
+        <p:spPr/>
+        <p:txBody>
+          <a:bodyPr/>
+          <a:lstStyle/>
+          <a:p>
+            <a:r>
+              <a:rPr lang="en-US" dirty="0"/>
+              <a:t>Update Solution from Workspace Template</a:t>
+            </a:r>
+          </a:p>
+        </p:txBody>
+      </p:sp>
+      <p:sp>
+        <p:nvSpPr>
+          <p:cNvPr id="15" name="Text Placeholder 14">
+            <a:extLst>
+              <a:ext uri="{FF2B5EF4-FFF2-40B4-BE49-F238E27FC236}">
+                <a16:creationId xmlns:a16="http://schemas.microsoft.com/office/drawing/2014/main" id="{EF8FD7AA-4A8E-F874-F437-E0161E2BCCB2}"/>
+              </a:ext>
+            </a:extLst>
+          </p:cNvPr>
+          <p:cNvSpPr>
+            <a:spLocks noGrp="1"/>
+          </p:cNvSpPr>
+          <p:nvPr>
+            <p:ph type="body" sz="quarter" idx="10"/>
+          </p:nvPr>
+        </p:nvSpPr>
+        <p:spPr>
+          <a:xfrm>
+            <a:off x="511277" y="1227439"/>
+            <a:ext cx="11604521" cy="3062377"/>
+          </a:xfrm>
+        </p:spPr>
+        <p:txBody>
+          <a:bodyPr/>
+          <a:lstStyle/>
+          <a:p>
+            <a:r>
+              <a:rPr lang="en-US" dirty="0"/>
+              <a:t>Developer needs a way to update existing items with change in template workspace</a:t>
+            </a:r>
+          </a:p>
+          <a:p>
+            <a:pPr lvl="1"/>
+            <a:r>
+              <a:rPr lang="en-US" dirty="0"/>
+              <a:t>Using delete and create operation is not good because it changes workspace item Id</a:t>
+            </a:r>
+          </a:p>
+          <a:p>
+            <a:pPr lvl="1"/>
+            <a:r>
+              <a:rPr lang="en-US" dirty="0"/>
+              <a:t>Developer calls </a:t>
+            </a:r>
+            <a:r>
+              <a:rPr lang="en-US" sz="1800" b="1" dirty="0">
+                <a:solidFill>
+                  <a:srgbClr val="6C0000"/>
+                </a:solidFill>
+              </a:rPr>
+              <a:t>Update Item Definition</a:t>
+            </a:r>
+            <a:r>
+              <a:rPr lang="en-US" dirty="0"/>
+              <a:t> to update solution items from template items</a:t>
+            </a:r>
+          </a:p>
+          <a:p>
+            <a:pPr lvl="1"/>
+            <a:r>
+              <a:rPr lang="en-US" dirty="0"/>
+              <a:t>Update logic can create new workspace items recently added to workspace template</a:t>
+            </a:r>
+          </a:p>
+          <a:p>
+            <a:pPr lvl="1"/>
+            <a:r>
+              <a:rPr lang="en-US" dirty="0"/>
+              <a:t>Update logic can delete orphaned items that do not exist in workspace template</a:t>
+            </a:r>
+          </a:p>
+          <a:p>
+            <a:pPr lvl="1"/>
+            <a:endParaRPr lang="en-US" dirty="0"/>
+          </a:p>
+          <a:p>
+            <a:pPr lvl="1"/>
+            <a:endParaRPr lang="en-US" dirty="0"/>
+          </a:p>
+          <a:p>
+            <a:pPr lvl="1"/>
+            <a:endParaRPr lang="en-US" dirty="0"/>
+          </a:p>
+        </p:txBody>
+      </p:sp>
+      <p:pic>
+        <p:nvPicPr>
+          <p:cNvPr id="10" name="Picture 9">
+            <a:extLst>
+              <a:ext uri="{FF2B5EF4-FFF2-40B4-BE49-F238E27FC236}">
+                <a16:creationId xmlns:a16="http://schemas.microsoft.com/office/drawing/2014/main" id="{7A71A0F7-981D-7D14-8828-874810969024}"/>
+              </a:ext>
+            </a:extLst>
+          </p:cNvPr>
+          <p:cNvPicPr>
+            <a:picLocks noChangeAspect="1"/>
+          </p:cNvPicPr>
+          <p:nvPr/>
+        </p:nvPicPr>
+        <p:blipFill>
+          <a:blip r:embed="rId2"/>
+          <a:stretch>
+            <a:fillRect/>
+          </a:stretch>
+        </p:blipFill>
+        <p:spPr>
+          <a:xfrm>
+            <a:off x="8405586" y="3345917"/>
+            <a:ext cx="2823332" cy="2594179"/>
+          </a:xfrm>
+          <a:prstGeom prst="rect">
+            <a:avLst/>
+          </a:prstGeom>
+          <a:ln>
+            <a:solidFill>
+              <a:schemeClr val="tx1">
+                <a:lumMod val="50000"/>
+                <a:lumOff val="50000"/>
+              </a:schemeClr>
+            </a:solidFill>
+          </a:ln>
+        </p:spPr>
+      </p:pic>
+      <p:sp>
+        <p:nvSpPr>
+          <p:cNvPr id="11" name="Rectangle: Rounded Corners 10">
+            <a:extLst>
+              <a:ext uri="{FF2B5EF4-FFF2-40B4-BE49-F238E27FC236}">
+                <a16:creationId xmlns:a16="http://schemas.microsoft.com/office/drawing/2014/main" id="{57985FFF-0907-7AAE-EA73-FEBDC31C93B2}"/>
+              </a:ext>
+            </a:extLst>
+          </p:cNvPr>
+          <p:cNvSpPr/>
+          <p:nvPr/>
+        </p:nvSpPr>
+        <p:spPr>
+          <a:xfrm>
+            <a:off x="4746433" y="3812570"/>
+            <a:ext cx="2654211" cy="1703429"/>
+          </a:xfrm>
+          <a:prstGeom prst="roundRect">
+            <a:avLst/>
+          </a:prstGeom>
+          <a:solidFill>
+            <a:schemeClr val="accent2"/>
+          </a:solidFill>
+        </p:spPr>
+        <p:style>
+          <a:lnRef idx="2">
+            <a:schemeClr val="accent1">
+              <a:shade val="15000"/>
+            </a:schemeClr>
+          </a:lnRef>
+          <a:fillRef idx="1">
+            <a:schemeClr val="accent1"/>
+          </a:fillRef>
+          <a:effectRef idx="0">
+            <a:schemeClr val="accent1"/>
+          </a:effectRef>
+          <a:fontRef idx="minor">
+            <a:schemeClr val="lt1"/>
+          </a:fontRef>
+        </p:style>
+        <p:txBody>
+          <a:bodyPr rtlCol="0" anchor="ctr"/>
+          <a:lstStyle/>
+          <a:p>
+            <a:pPr algn="ctr"/>
+            <a:r>
+              <a:rPr lang="en-US" sz="1632" dirty="0"/>
+              <a:t>Update Solution Logic</a:t>
+            </a:r>
+          </a:p>
+          <a:p>
+            <a:pPr algn="ctr"/>
+            <a:r>
+              <a:rPr lang="en-US" sz="1020" b="1" dirty="0">
+                <a:solidFill>
+                  <a:srgbClr val="FFFF00"/>
+                </a:solidFill>
+              </a:rPr>
+              <a:t>Implemented Using Fabric REST APIs</a:t>
+            </a:r>
+            <a:endParaRPr lang="en-US" sz="1071" b="1" dirty="0">
+              <a:solidFill>
+                <a:srgbClr val="FFFF00"/>
+              </a:solidFill>
+            </a:endParaRPr>
+          </a:p>
+        </p:txBody>
+      </p:sp>
+      <p:sp>
+        <p:nvSpPr>
+          <p:cNvPr id="12" name="Arrow: Right 11">
+            <a:extLst>
+              <a:ext uri="{FF2B5EF4-FFF2-40B4-BE49-F238E27FC236}">
+                <a16:creationId xmlns:a16="http://schemas.microsoft.com/office/drawing/2014/main" id="{0D1E10CE-E703-4656-E318-9B49006D1C9B}"/>
+              </a:ext>
+            </a:extLst>
+          </p:cNvPr>
+          <p:cNvSpPr/>
+          <p:nvPr/>
+        </p:nvSpPr>
+        <p:spPr>
+          <a:xfrm>
+            <a:off x="3958496" y="4352759"/>
+            <a:ext cx="712662" cy="580498"/>
+          </a:xfrm>
+          <a:prstGeom prst="rightArrow">
+            <a:avLst/>
+          </a:prstGeom>
+          <a:solidFill>
+            <a:schemeClr val="accent2"/>
+          </a:solidFill>
+        </p:spPr>
+        <p:style>
+          <a:lnRef idx="2">
+            <a:schemeClr val="accent1">
+              <a:shade val="15000"/>
+            </a:schemeClr>
+          </a:lnRef>
+          <a:fillRef idx="1">
+            <a:schemeClr val="accent1"/>
+          </a:fillRef>
+          <a:effectRef idx="0">
+            <a:schemeClr val="accent1"/>
+          </a:effectRef>
+          <a:fontRef idx="minor">
+            <a:schemeClr val="lt1"/>
+          </a:fontRef>
+        </p:style>
+        <p:txBody>
+          <a:bodyPr rtlCol="0" anchor="ctr"/>
+          <a:lstStyle/>
+          <a:p>
+            <a:pPr algn="ctr"/>
+            <a:endParaRPr lang="en-US" sz="1836"/>
+          </a:p>
+        </p:txBody>
+      </p:sp>
+      <p:sp>
+        <p:nvSpPr>
+          <p:cNvPr id="13" name="Arrow: Right 12">
+            <a:extLst>
+              <a:ext uri="{FF2B5EF4-FFF2-40B4-BE49-F238E27FC236}">
+                <a16:creationId xmlns:a16="http://schemas.microsoft.com/office/drawing/2014/main" id="{73F62881-7921-66CD-07C0-D1E910172352}"/>
+              </a:ext>
+            </a:extLst>
+          </p:cNvPr>
+          <p:cNvSpPr/>
+          <p:nvPr/>
+        </p:nvSpPr>
+        <p:spPr>
+          <a:xfrm>
+            <a:off x="7554169" y="4374034"/>
+            <a:ext cx="697892" cy="580498"/>
+          </a:xfrm>
+          <a:prstGeom prst="rightArrow">
+            <a:avLst/>
+          </a:prstGeom>
+          <a:solidFill>
+            <a:schemeClr val="accent2"/>
+          </a:solidFill>
+        </p:spPr>
+        <p:style>
+          <a:lnRef idx="2">
+            <a:schemeClr val="accent1">
+              <a:shade val="15000"/>
+            </a:schemeClr>
+          </a:lnRef>
+          <a:fillRef idx="1">
+            <a:schemeClr val="accent1"/>
+          </a:fillRef>
+          <a:effectRef idx="0">
+            <a:schemeClr val="accent1"/>
+          </a:effectRef>
+          <a:fontRef idx="minor">
+            <a:schemeClr val="lt1"/>
+          </a:fontRef>
+        </p:style>
+        <p:txBody>
+          <a:bodyPr rtlCol="0" anchor="ctr"/>
+          <a:lstStyle/>
+          <a:p>
+            <a:pPr algn="ctr"/>
+            <a:endParaRPr lang="en-US" sz="1836"/>
+          </a:p>
+        </p:txBody>
+      </p:sp>
+      <p:pic>
+        <p:nvPicPr>
+          <p:cNvPr id="14" name="Picture 13">
+            <a:extLst>
+              <a:ext uri="{FF2B5EF4-FFF2-40B4-BE49-F238E27FC236}">
+                <a16:creationId xmlns:a16="http://schemas.microsoft.com/office/drawing/2014/main" id="{1D85273D-95F5-38A9-DEFF-DBEB9F9EA11D}"/>
+              </a:ext>
+            </a:extLst>
+          </p:cNvPr>
+          <p:cNvPicPr>
+            <a:picLocks noChangeAspect="1"/>
+          </p:cNvPicPr>
+          <p:nvPr/>
+        </p:nvPicPr>
+        <p:blipFill>
+          <a:blip r:embed="rId3"/>
+          <a:srcRect r="8864"/>
+          <a:stretch/>
+        </p:blipFill>
+        <p:spPr>
+          <a:xfrm>
+            <a:off x="1080171" y="3345918"/>
+            <a:ext cx="2764027" cy="2594179"/>
+          </a:xfrm>
+          <a:prstGeom prst="rect">
+            <a:avLst/>
+          </a:prstGeom>
+          <a:ln>
+            <a:solidFill>
+              <a:schemeClr val="tx1">
+                <a:lumMod val="50000"/>
+                <a:lumOff val="50000"/>
+              </a:schemeClr>
+            </a:solidFill>
+          </a:ln>
+        </p:spPr>
+      </p:pic>
+    </p:spTree>
+    <p:extLst>
+      <p:ext uri="{BB962C8B-B14F-4D97-AF65-F5344CB8AC3E}">
+        <p14:creationId xmlns:p14="http://schemas.microsoft.com/office/powerpoint/2010/main" val="4189817416"/>
+      </p:ext>
+    </p:extLst>
+  </p:cSld>
+  <p:clrMapOvr>
+    <a:masterClrMapping/>
+  </p:clrMapOvr>
+  <p:transition>
+    <p:fade/>
+  </p:transition>
+</p:sld>
+</file>
+
+<file path=ppt/slides/slide21.xml><?xml version="1.0" encoding="utf-8"?>
 <p:sld xmlns:a="http://schemas.openxmlformats.org/drawingml/2006/main" xmlns:r="http://schemas.openxmlformats.org/officeDocument/2006/relationships" xmlns:p="http://schemas.openxmlformats.org/presentationml/2006/main" showMasterSp="0">
   <p:cSld>
     <p:spTree>
@@ -18997,7 +20505,7 @@
 </p:sld>
 </file>
 
-<file path=ppt/slides/slide21.xml><?xml version="1.0" encoding="utf-8"?>
+<file path=ppt/slides/slide22.xml><?xml version="1.0" encoding="utf-8"?>
 <p:sld xmlns:a="http://schemas.openxmlformats.org/drawingml/2006/main" xmlns:r="http://schemas.openxmlformats.org/officeDocument/2006/relationships" xmlns:p="http://schemas.openxmlformats.org/presentationml/2006/main">
   <p:cSld>
     <p:spTree>
@@ -19091,7 +20599,7 @@
 </p:sld>
 </file>
 
-<file path=ppt/slides/slide22.xml><?xml version="1.0" encoding="utf-8"?>
+<file path=ppt/slides/slide23.xml><?xml version="1.0" encoding="utf-8"?>
 <p:sld xmlns:a="http://schemas.openxmlformats.org/drawingml/2006/main" xmlns:r="http://schemas.openxmlformats.org/officeDocument/2006/relationships" xmlns:p="http://schemas.openxmlformats.org/presentationml/2006/main">
   <p:cSld>
     <p:spTree>
@@ -19681,7 +21189,7 @@
 </p:sld>
 </file>
 
-<file path=ppt/slides/slide23.xml><?xml version="1.0" encoding="utf-8"?>
+<file path=ppt/slides/slide24.xml><?xml version="1.0" encoding="utf-8"?>
 <p:sld xmlns:a="http://schemas.openxmlformats.org/drawingml/2006/main" xmlns:r="http://schemas.openxmlformats.org/officeDocument/2006/relationships" xmlns:p="http://schemas.openxmlformats.org/presentationml/2006/main">
   <p:cSld>
     <p:spTree>
@@ -20021,7 +21529,7 @@
 </p:sld>
 </file>
 
-<file path=ppt/slides/slide24.xml><?xml version="1.0" encoding="utf-8"?>
+<file path=ppt/slides/slide25.xml><?xml version="1.0" encoding="utf-8"?>
 <p:sld xmlns:a="http://schemas.openxmlformats.org/drawingml/2006/main" xmlns:r="http://schemas.openxmlformats.org/officeDocument/2006/relationships" xmlns:p="http://schemas.openxmlformats.org/presentationml/2006/main">
   <p:cSld>
     <p:spTree>
@@ -20238,7 +21746,7 @@
               <a:pPr defTabSz="932418">
                 <a:defRPr/>
               </a:pPr>
-              <a:t>24</a:t>
+              <a:t>25</a:t>
             </a:fld>
             <a:endParaRPr lang="en-US" sz="816">
               <a:solidFill>
@@ -21347,7 +22855,7 @@
 </p:sld>
 </file>
 
-<file path=ppt/slides/slide25.xml><?xml version="1.0" encoding="utf-8"?>
+<file path=ppt/slides/slide26.xml><?xml version="1.0" encoding="utf-8"?>
 <p:sld xmlns:a="http://schemas.openxmlformats.org/drawingml/2006/main" xmlns:r="http://schemas.openxmlformats.org/officeDocument/2006/relationships" xmlns:p="http://schemas.openxmlformats.org/presentationml/2006/main">
   <p:cSld>
     <p:spTree>
@@ -21443,7 +22951,7 @@
 </p:sld>
 </file>
 
-<file path=ppt/slides/slide26.xml><?xml version="1.0" encoding="utf-8"?>
+<file path=ppt/slides/slide27.xml><?xml version="1.0" encoding="utf-8"?>
 <p:sld xmlns:a="http://schemas.openxmlformats.org/drawingml/2006/main" xmlns:r="http://schemas.openxmlformats.org/officeDocument/2006/relationships" xmlns:p="http://schemas.openxmlformats.org/presentationml/2006/main">
   <p:cSld>
     <p:spTree>
@@ -21916,7 +23424,7 @@
 </p:sld>
 </file>
 
-<file path=ppt/slides/slide27.xml><?xml version="1.0" encoding="utf-8"?>
+<file path=ppt/slides/slide28.xml><?xml version="1.0" encoding="utf-8"?>
 <p:sld xmlns:a="http://schemas.openxmlformats.org/drawingml/2006/main" xmlns:r="http://schemas.openxmlformats.org/officeDocument/2006/relationships" xmlns:p="http://schemas.openxmlformats.org/presentationml/2006/main">
   <p:cSld>
     <p:spTree>
@@ -22501,7 +24009,7 @@
 </p:sld>
 </file>
 
-<file path=ppt/slides/slide28.xml><?xml version="1.0" encoding="utf-8"?>
+<file path=ppt/slides/slide29.xml><?xml version="1.0" encoding="utf-8"?>
 <p:sld xmlns:a="http://schemas.openxmlformats.org/drawingml/2006/main" xmlns:r="http://schemas.openxmlformats.org/officeDocument/2006/relationships" xmlns:p="http://schemas.openxmlformats.org/presentationml/2006/main">
   <p:cSld>
     <p:spTree>
@@ -23074,169 +24582,6 @@
     <p:extLst>
       <p:ext uri="{BB962C8B-B14F-4D97-AF65-F5344CB8AC3E}">
         <p14:creationId xmlns:p14="http://schemas.microsoft.com/office/powerpoint/2010/main" val="988709634"/>
-      </p:ext>
-    </p:extLst>
-  </p:cSld>
-  <p:clrMapOvr>
-    <a:masterClrMapping/>
-  </p:clrMapOvr>
-  <p:transition>
-    <p:fade/>
-  </p:transition>
-</p:sld>
-</file>
-
-<file path=ppt/slides/slide29.xml><?xml version="1.0" encoding="utf-8"?>
-<p:sld xmlns:a="http://schemas.openxmlformats.org/drawingml/2006/main" xmlns:r="http://schemas.openxmlformats.org/officeDocument/2006/relationships" xmlns:p="http://schemas.openxmlformats.org/presentationml/2006/main">
-  <p:cSld>
-    <p:spTree>
-      <p:nvGrpSpPr>
-        <p:cNvPr id="1" name=""/>
-        <p:cNvGrpSpPr/>
-        <p:nvPr/>
-      </p:nvGrpSpPr>
-      <p:grpSpPr>
-        <a:xfrm>
-          <a:off x="0" y="0"/>
-          <a:ext cx="0" cy="0"/>
-          <a:chOff x="0" y="0"/>
-          <a:chExt cx="0" cy="0"/>
-        </a:xfrm>
-      </p:grpSpPr>
-      <p:sp>
-        <p:nvSpPr>
-          <p:cNvPr id="2" name="Title 1">
-            <a:extLst>
-              <a:ext uri="{FF2B5EF4-FFF2-40B4-BE49-F238E27FC236}">
-                <a16:creationId xmlns:a16="http://schemas.microsoft.com/office/drawing/2014/main" id="{25557B59-22B6-81C6-354A-890C841A4CA7}"/>
-              </a:ext>
-            </a:extLst>
-          </p:cNvPr>
-          <p:cNvSpPr>
-            <a:spLocks noGrp="1"/>
-          </p:cNvSpPr>
-          <p:nvPr>
-            <p:ph type="title"/>
-          </p:nvPr>
-        </p:nvSpPr>
-        <p:spPr/>
-        <p:txBody>
-          <a:bodyPr/>
-          <a:lstStyle/>
-          <a:p>
-            <a:r>
-              <a:rPr lang="en-US" dirty="0"/>
-              <a:t>Feature Branches</a:t>
-            </a:r>
-          </a:p>
-        </p:txBody>
-      </p:sp>
-      <p:sp>
-        <p:nvSpPr>
-          <p:cNvPr id="3" name="Text Placeholder 2">
-            <a:extLst>
-              <a:ext uri="{FF2B5EF4-FFF2-40B4-BE49-F238E27FC236}">
-                <a16:creationId xmlns:a16="http://schemas.microsoft.com/office/drawing/2014/main" id="{DFE6DEAF-6374-7DA9-8CE4-1B4588CF9CB8}"/>
-              </a:ext>
-            </a:extLst>
-          </p:cNvPr>
-          <p:cNvSpPr>
-            <a:spLocks noGrp="1"/>
-          </p:cNvSpPr>
-          <p:nvPr>
-            <p:ph type="body" sz="quarter" idx="10"/>
-          </p:nvPr>
-        </p:nvSpPr>
-        <p:spPr>
-          <a:xfrm>
-            <a:off x="511277" y="1227439"/>
-            <a:ext cx="11604521" cy="4108817"/>
-          </a:xfrm>
-        </p:spPr>
-        <p:txBody>
-          <a:bodyPr/>
-          <a:lstStyle/>
-          <a:p>
-            <a:r>
-              <a:rPr lang="en-US" b="1" dirty="0">
-                <a:solidFill>
-                  <a:srgbClr val="6C0000"/>
-                </a:solidFill>
-              </a:rPr>
-              <a:t>main</a:t>
-            </a:r>
-            <a:r>
-              <a:rPr lang="en-US" dirty="0"/>
-              <a:t> branch serves as the stable codebase which functions as the source of truth</a:t>
-            </a:r>
-          </a:p>
-          <a:p>
-            <a:pPr lvl="1"/>
-            <a:r>
-              <a:rPr lang="en-US" dirty="0"/>
-              <a:t>changes are made exclusively through a pull request (PR) process</a:t>
-            </a:r>
-          </a:p>
-          <a:p>
-            <a:r>
-              <a:rPr lang="en-US" dirty="0"/>
-              <a:t>Feature branches enable developers to work in isolation </a:t>
-            </a:r>
-          </a:p>
-          <a:p>
-            <a:pPr lvl="1"/>
-            <a:r>
-              <a:rPr lang="en-US" dirty="0"/>
-              <a:t>Prevents affecting main branch </a:t>
-            </a:r>
-          </a:p>
-          <a:p>
-            <a:pPr lvl="1"/>
-            <a:r>
-              <a:rPr lang="en-US" dirty="0"/>
-              <a:t>Developers can work on new features, bug fixes, change requests</a:t>
-            </a:r>
-          </a:p>
-          <a:p>
-            <a:pPr lvl="1"/>
-            <a:r>
-              <a:rPr lang="en-US" dirty="0"/>
-              <a:t>Developers engage in experimental work or test/review work of other developers</a:t>
-            </a:r>
-          </a:p>
-          <a:p>
-            <a:r>
-              <a:rPr lang="en-US" dirty="0"/>
-              <a:t>Benefits to feature branches</a:t>
-            </a:r>
-          </a:p>
-          <a:p>
-            <a:pPr lvl="1"/>
-            <a:r>
-              <a:rPr lang="en-US" dirty="0"/>
-              <a:t>Feature branches facilitate parallel development</a:t>
-            </a:r>
-          </a:p>
-          <a:p>
-            <a:pPr lvl="1"/>
-            <a:r>
-              <a:rPr lang="en-US" dirty="0"/>
-              <a:t>Feature branches enhance code reviews</a:t>
-            </a:r>
-          </a:p>
-          <a:p>
-            <a:pPr lvl="1"/>
-            <a:r>
-              <a:rPr lang="en-US" dirty="0"/>
-              <a:t>Feature branches minimize the risk of integration conflicts. </a:t>
-            </a:r>
-          </a:p>
-        </p:txBody>
-      </p:sp>
-    </p:spTree>
-    <p:extLst>
-      <p:ext uri="{BB962C8B-B14F-4D97-AF65-F5344CB8AC3E}">
-        <p14:creationId xmlns:p14="http://schemas.microsoft.com/office/powerpoint/2010/main" val="1623542104"/>
       </p:ext>
     </p:extLst>
   </p:cSld>
@@ -23747,6 +25092,169 @@
           <p:cNvPr id="2" name="Title 1">
             <a:extLst>
               <a:ext uri="{FF2B5EF4-FFF2-40B4-BE49-F238E27FC236}">
+                <a16:creationId xmlns:a16="http://schemas.microsoft.com/office/drawing/2014/main" id="{25557B59-22B6-81C6-354A-890C841A4CA7}"/>
+              </a:ext>
+            </a:extLst>
+          </p:cNvPr>
+          <p:cNvSpPr>
+            <a:spLocks noGrp="1"/>
+          </p:cNvSpPr>
+          <p:nvPr>
+            <p:ph type="title"/>
+          </p:nvPr>
+        </p:nvSpPr>
+        <p:spPr/>
+        <p:txBody>
+          <a:bodyPr/>
+          <a:lstStyle/>
+          <a:p>
+            <a:r>
+              <a:rPr lang="en-US" dirty="0"/>
+              <a:t>Feature Branches</a:t>
+            </a:r>
+          </a:p>
+        </p:txBody>
+      </p:sp>
+      <p:sp>
+        <p:nvSpPr>
+          <p:cNvPr id="3" name="Text Placeholder 2">
+            <a:extLst>
+              <a:ext uri="{FF2B5EF4-FFF2-40B4-BE49-F238E27FC236}">
+                <a16:creationId xmlns:a16="http://schemas.microsoft.com/office/drawing/2014/main" id="{DFE6DEAF-6374-7DA9-8CE4-1B4588CF9CB8}"/>
+              </a:ext>
+            </a:extLst>
+          </p:cNvPr>
+          <p:cNvSpPr>
+            <a:spLocks noGrp="1"/>
+          </p:cNvSpPr>
+          <p:nvPr>
+            <p:ph type="body" sz="quarter" idx="10"/>
+          </p:nvPr>
+        </p:nvSpPr>
+        <p:spPr>
+          <a:xfrm>
+            <a:off x="511277" y="1227439"/>
+            <a:ext cx="11604521" cy="4108817"/>
+          </a:xfrm>
+        </p:spPr>
+        <p:txBody>
+          <a:bodyPr/>
+          <a:lstStyle/>
+          <a:p>
+            <a:r>
+              <a:rPr lang="en-US" b="1" dirty="0">
+                <a:solidFill>
+                  <a:srgbClr val="6C0000"/>
+                </a:solidFill>
+              </a:rPr>
+              <a:t>main</a:t>
+            </a:r>
+            <a:r>
+              <a:rPr lang="en-US" dirty="0"/>
+              <a:t> branch serves as the stable codebase which functions as the source of truth</a:t>
+            </a:r>
+          </a:p>
+          <a:p>
+            <a:pPr lvl="1"/>
+            <a:r>
+              <a:rPr lang="en-US" dirty="0"/>
+              <a:t>changes are made exclusively through a pull request (PR) process</a:t>
+            </a:r>
+          </a:p>
+          <a:p>
+            <a:r>
+              <a:rPr lang="en-US" dirty="0"/>
+              <a:t>Feature branches enable developers to work in isolation </a:t>
+            </a:r>
+          </a:p>
+          <a:p>
+            <a:pPr lvl="1"/>
+            <a:r>
+              <a:rPr lang="en-US" dirty="0"/>
+              <a:t>Prevents affecting main branch </a:t>
+            </a:r>
+          </a:p>
+          <a:p>
+            <a:pPr lvl="1"/>
+            <a:r>
+              <a:rPr lang="en-US" dirty="0"/>
+              <a:t>Developers can work on new features, bug fixes, change requests</a:t>
+            </a:r>
+          </a:p>
+          <a:p>
+            <a:pPr lvl="1"/>
+            <a:r>
+              <a:rPr lang="en-US" dirty="0"/>
+              <a:t>Developers engage in experimental work or test/review work of other developers</a:t>
+            </a:r>
+          </a:p>
+          <a:p>
+            <a:r>
+              <a:rPr lang="en-US" dirty="0"/>
+              <a:t>Benefits to feature branches</a:t>
+            </a:r>
+          </a:p>
+          <a:p>
+            <a:pPr lvl="1"/>
+            <a:r>
+              <a:rPr lang="en-US" dirty="0"/>
+              <a:t>Feature branches facilitate parallel development</a:t>
+            </a:r>
+          </a:p>
+          <a:p>
+            <a:pPr lvl="1"/>
+            <a:r>
+              <a:rPr lang="en-US" dirty="0"/>
+              <a:t>Feature branches enhance code reviews</a:t>
+            </a:r>
+          </a:p>
+          <a:p>
+            <a:pPr lvl="1"/>
+            <a:r>
+              <a:rPr lang="en-US" dirty="0"/>
+              <a:t>Feature branches minimize the risk of integration conflicts. </a:t>
+            </a:r>
+          </a:p>
+        </p:txBody>
+      </p:sp>
+    </p:spTree>
+    <p:extLst>
+      <p:ext uri="{BB962C8B-B14F-4D97-AF65-F5344CB8AC3E}">
+        <p14:creationId xmlns:p14="http://schemas.microsoft.com/office/powerpoint/2010/main" val="1623542104"/>
+      </p:ext>
+    </p:extLst>
+  </p:cSld>
+  <p:clrMapOvr>
+    <a:masterClrMapping/>
+  </p:clrMapOvr>
+  <p:transition>
+    <p:fade/>
+  </p:transition>
+</p:sld>
+</file>
+
+<file path=ppt/slides/slide31.xml><?xml version="1.0" encoding="utf-8"?>
+<p:sld xmlns:a="http://schemas.openxmlformats.org/drawingml/2006/main" xmlns:r="http://schemas.openxmlformats.org/officeDocument/2006/relationships" xmlns:p="http://schemas.openxmlformats.org/presentationml/2006/main">
+  <p:cSld>
+    <p:spTree>
+      <p:nvGrpSpPr>
+        <p:cNvPr id="1" name=""/>
+        <p:cNvGrpSpPr/>
+        <p:nvPr/>
+      </p:nvGrpSpPr>
+      <p:grpSpPr>
+        <a:xfrm>
+          <a:off x="0" y="0"/>
+          <a:ext cx="0" cy="0"/>
+          <a:chOff x="0" y="0"/>
+          <a:chExt cx="0" cy="0"/>
+        </a:xfrm>
+      </p:grpSpPr>
+      <p:sp>
+        <p:nvSpPr>
+          <p:cNvPr id="2" name="Title 1">
+            <a:extLst>
+              <a:ext uri="{FF2B5EF4-FFF2-40B4-BE49-F238E27FC236}">
                 <a16:creationId xmlns:a16="http://schemas.microsoft.com/office/drawing/2014/main" id="{A2CEA198-7844-5258-3EAA-ABCDBD609C4A}"/>
               </a:ext>
             </a:extLst>
@@ -23909,7 +25417,7 @@
               <a:pPr defTabSz="932418">
                 <a:defRPr/>
               </a:pPr>
-              <a:t>30</a:t>
+              <a:t>31</a:t>
             </a:fld>
             <a:endParaRPr lang="en-US" sz="816">
               <a:solidFill>
@@ -24545,7 +26053,7 @@
 </p:sld>
 </file>
 
-<file path=ppt/slides/slide31.xml><?xml version="1.0" encoding="utf-8"?>
+<file path=ppt/slides/slide32.xml><?xml version="1.0" encoding="utf-8"?>
 <p:sld xmlns:a="http://schemas.openxmlformats.org/drawingml/2006/main" xmlns:r="http://schemas.openxmlformats.org/officeDocument/2006/relationships" xmlns:p="http://schemas.openxmlformats.org/presentationml/2006/main">
   <p:cSld>
     <p:spTree>
@@ -24729,7 +26237,7 @@
               <a:pPr defTabSz="932418">
                 <a:defRPr/>
               </a:pPr>
-              <a:t>31</a:t>
+              <a:t>32</a:t>
             </a:fld>
             <a:endParaRPr lang="en-US" sz="816">
               <a:solidFill>
@@ -25359,7 +26867,7 @@
 </p:sld>
 </file>
 
-<file path=ppt/slides/slide32.xml><?xml version="1.0" encoding="utf-8"?>
+<file path=ppt/slides/slide33.xml><?xml version="1.0" encoding="utf-8"?>
 <p:sld xmlns:a="http://schemas.openxmlformats.org/drawingml/2006/main" xmlns:r="http://schemas.openxmlformats.org/officeDocument/2006/relationships" xmlns:p="http://schemas.openxmlformats.org/presentationml/2006/main">
   <p:cSld>
     <p:spTree>
@@ -25690,7 +27198,7 @@
 </p:sld>
 </file>
 
-<file path=ppt/slides/slide33.xml><?xml version="1.0" encoding="utf-8"?>
+<file path=ppt/slides/slide34.xml><?xml version="1.0" encoding="utf-8"?>
 <p:sld xmlns:a="http://schemas.openxmlformats.org/drawingml/2006/main" xmlns:r="http://schemas.openxmlformats.org/officeDocument/2006/relationships" xmlns:p="http://schemas.openxmlformats.org/presentationml/2006/main">
   <p:cSld>
     <p:spTree>
@@ -30818,6 +32326,212 @@
   <p:cSld>
     <p:spTree>
       <p:nvGrpSpPr>
+        <p:cNvPr id="1" name=""/>
+        <p:cNvGrpSpPr/>
+        <p:nvPr/>
+      </p:nvGrpSpPr>
+      <p:grpSpPr>
+        <a:xfrm>
+          <a:off x="0" y="0"/>
+          <a:ext cx="0" cy="0"/>
+          <a:chOff x="0" y="0"/>
+          <a:chExt cx="0" cy="0"/>
+        </a:xfrm>
+      </p:grpSpPr>
+      <p:sp>
+        <p:nvSpPr>
+          <p:cNvPr id="2" name="Title 1">
+            <a:extLst>
+              <a:ext uri="{FF2B5EF4-FFF2-40B4-BE49-F238E27FC236}">
+                <a16:creationId xmlns:a16="http://schemas.microsoft.com/office/drawing/2014/main" id="{D99A9390-9BE6-9945-2A20-A26702ED83DF}"/>
+              </a:ext>
+            </a:extLst>
+          </p:cNvPr>
+          <p:cNvSpPr>
+            <a:spLocks noGrp="1"/>
+          </p:cNvSpPr>
+          <p:nvPr>
+            <p:ph type="title"/>
+          </p:nvPr>
+        </p:nvSpPr>
+        <p:spPr/>
+        <p:txBody>
+          <a:bodyPr/>
+          <a:lstStyle/>
+          <a:p>
+            <a:r>
+              <a:rPr lang="en-US" dirty="0"/>
+              <a:t>The FabricSolutionDeployment Developer Sample</a:t>
+            </a:r>
+          </a:p>
+        </p:txBody>
+      </p:sp>
+      <p:sp>
+        <p:nvSpPr>
+          <p:cNvPr id="3" name="Text Placeholder 2">
+            <a:extLst>
+              <a:ext uri="{FF2B5EF4-FFF2-40B4-BE49-F238E27FC236}">
+                <a16:creationId xmlns:a16="http://schemas.microsoft.com/office/drawing/2014/main" id="{2ABCBA33-7668-A2BE-0CAF-402D11DAE915}"/>
+              </a:ext>
+            </a:extLst>
+          </p:cNvPr>
+          <p:cNvSpPr>
+            <a:spLocks noGrp="1"/>
+          </p:cNvSpPr>
+          <p:nvPr>
+            <p:ph type="body" sz="quarter" idx="10"/>
+          </p:nvPr>
+        </p:nvSpPr>
+        <p:spPr>
+          <a:xfrm>
+            <a:off x="511277" y="1227439"/>
+            <a:ext cx="11604521" cy="1523494"/>
+          </a:xfrm>
+        </p:spPr>
+        <p:txBody>
+          <a:bodyPr/>
+          <a:lstStyle/>
+          <a:p>
+            <a:r>
+              <a:rPr lang="en-US" dirty="0"/>
+              <a:t>Sample application demonstrating solution deployment workflows</a:t>
+            </a:r>
+          </a:p>
+          <a:p>
+            <a:pPr lvl="1"/>
+            <a:r>
+              <a:rPr lang="en-US" dirty="0"/>
+              <a:t>Created as a .NET 8 console application using the Fabric REST API .NET SDK</a:t>
+            </a:r>
+          </a:p>
+          <a:p>
+            <a:pPr lvl="1"/>
+            <a:r>
+              <a:rPr lang="en-US" dirty="0"/>
+              <a:t>Provides easy learning path for developers to download project and get up and running</a:t>
+            </a:r>
+          </a:p>
+          <a:p>
+            <a:pPr lvl="1"/>
+            <a:r>
+              <a:rPr lang="en-US" dirty="0">
+                <a:hlinkClick r:id="rId2"/>
+              </a:rPr>
+              <a:t>https://github.com/FabricDevCamp/FabricSolutionDeployment</a:t>
+            </a:r>
+            <a:r>
+              <a:rPr lang="en-US" dirty="0"/>
+              <a:t> </a:t>
+            </a:r>
+          </a:p>
+        </p:txBody>
+      </p:sp>
+      <p:pic>
+        <p:nvPicPr>
+          <p:cNvPr id="7" name="Picture 6">
+            <a:extLst>
+              <a:ext uri="{FF2B5EF4-FFF2-40B4-BE49-F238E27FC236}">
+                <a16:creationId xmlns:a16="http://schemas.microsoft.com/office/drawing/2014/main" id="{D3EA9D96-FFF6-CCCD-F8F4-E88352379E15}"/>
+              </a:ext>
+            </a:extLst>
+          </p:cNvPr>
+          <p:cNvPicPr>
+            <a:picLocks noChangeAspect="1"/>
+          </p:cNvPicPr>
+          <p:nvPr/>
+        </p:nvPicPr>
+        <p:blipFill>
+          <a:blip r:embed="rId3"/>
+          <a:stretch>
+            <a:fillRect/>
+          </a:stretch>
+        </p:blipFill>
+        <p:spPr>
+          <a:xfrm>
+            <a:off x="1093693" y="2940412"/>
+            <a:ext cx="5925671" cy="3775298"/>
+          </a:xfrm>
+          <a:prstGeom prst="rect">
+            <a:avLst/>
+          </a:prstGeom>
+          <a:ln>
+            <a:solidFill>
+              <a:schemeClr val="tx1">
+                <a:lumMod val="60000"/>
+                <a:lumOff val="40000"/>
+              </a:schemeClr>
+            </a:solidFill>
+          </a:ln>
+        </p:spPr>
+      </p:pic>
+      <p:pic>
+        <p:nvPicPr>
+          <p:cNvPr id="1026" name="Picture 2">
+            <a:extLst>
+              <a:ext uri="{FF2B5EF4-FFF2-40B4-BE49-F238E27FC236}">
+                <a16:creationId xmlns:a16="http://schemas.microsoft.com/office/drawing/2014/main" id="{9A79CA93-0653-C218-DB4B-A1A803B386C3}"/>
+              </a:ext>
+            </a:extLst>
+          </p:cNvPr>
+          <p:cNvPicPr>
+            <a:picLocks noChangeAspect="1" noChangeArrowheads="1"/>
+          </p:cNvPicPr>
+          <p:nvPr/>
+        </p:nvPicPr>
+        <p:blipFill>
+          <a:blip r:embed="rId4">
+            <a:extLst>
+              <a:ext uri="{28A0092B-C50C-407E-A947-70E740481C1C}">
+                <a14:useLocalDpi xmlns:a14="http://schemas.microsoft.com/office/drawing/2010/main" val="0"/>
+              </a:ext>
+            </a:extLst>
+          </a:blip>
+          <a:srcRect/>
+          <a:stretch>
+            <a:fillRect/>
+          </a:stretch>
+        </p:blipFill>
+        <p:spPr bwMode="auto">
+          <a:xfrm>
+            <a:off x="7447058" y="2940412"/>
+            <a:ext cx="3042394" cy="2826674"/>
+          </a:xfrm>
+          <a:prstGeom prst="rect">
+            <a:avLst/>
+          </a:prstGeom>
+          <a:noFill/>
+          <a:extLst>
+            <a:ext uri="{909E8E84-426E-40DD-AFC4-6F175D3DCCD1}">
+              <a14:hiddenFill xmlns:a14="http://schemas.microsoft.com/office/drawing/2010/main">
+                <a:solidFill>
+                  <a:srgbClr val="FFFFFF"/>
+                </a:solidFill>
+              </a14:hiddenFill>
+            </a:ext>
+          </a:extLst>
+        </p:spPr>
+      </p:pic>
+    </p:spTree>
+    <p:extLst>
+      <p:ext uri="{BB962C8B-B14F-4D97-AF65-F5344CB8AC3E}">
+        <p14:creationId xmlns:p14="http://schemas.microsoft.com/office/powerpoint/2010/main" val="3201791195"/>
+      </p:ext>
+    </p:extLst>
+  </p:cSld>
+  <p:clrMapOvr>
+    <a:masterClrMapping/>
+  </p:clrMapOvr>
+  <p:transition>
+    <p:fade/>
+  </p:transition>
+</p:sld>
+</file>
+
+<file path=ppt/slides/slide7.xml><?xml version="1.0" encoding="utf-8"?>
+<p:sld xmlns:a="http://schemas.openxmlformats.org/drawingml/2006/main" xmlns:r="http://schemas.openxmlformats.org/officeDocument/2006/relationships" xmlns:p="http://schemas.openxmlformats.org/presentationml/2006/main">
+  <p:cSld>
+    <p:spTree>
+      <p:nvGrpSpPr>
         <p:cNvPr id="1" name="">
           <a:extLst>
             <a:ext uri="{FF2B5EF4-FFF2-40B4-BE49-F238E27FC236}">
@@ -30899,7 +32613,7 @@
 </p:sld>
 </file>
 
-<file path=ppt/slides/slide7.xml><?xml version="1.0" encoding="utf-8"?>
+<file path=ppt/slides/slide8.xml><?xml version="1.0" encoding="utf-8"?>
 <p:sld xmlns:a="http://schemas.openxmlformats.org/drawingml/2006/main" xmlns:r="http://schemas.openxmlformats.org/officeDocument/2006/relationships" xmlns:p="http://schemas.openxmlformats.org/presentationml/2006/main">
   <p:cSld>
     <p:spTree>
@@ -31624,7 +33338,7 @@
 </p:sld>
 </file>
 
-<file path=ppt/slides/slide8.xml><?xml version="1.0" encoding="utf-8"?>
+<file path=ppt/slides/slide9.xml><?xml version="1.0" encoding="utf-8"?>
 <p:sld xmlns:a="http://schemas.openxmlformats.org/drawingml/2006/main" xmlns:r="http://schemas.openxmlformats.org/officeDocument/2006/relationships" xmlns:p="http://schemas.openxmlformats.org/presentationml/2006/main">
   <p:cSld>
     <p:spTree>
@@ -32516,1401 +34230,6 @@
       </p:par>
     </p:tnLst>
   </p:timing>
-</p:sld>
-</file>
-
-<file path=ppt/slides/slide9.xml><?xml version="1.0" encoding="utf-8"?>
-<p:sld xmlns:a="http://schemas.openxmlformats.org/drawingml/2006/main" xmlns:r="http://schemas.openxmlformats.org/officeDocument/2006/relationships" xmlns:p="http://schemas.openxmlformats.org/presentationml/2006/main">
-  <p:cSld>
-    <p:spTree>
-      <p:nvGrpSpPr>
-        <p:cNvPr id="1" name=""/>
-        <p:cNvGrpSpPr/>
-        <p:nvPr/>
-      </p:nvGrpSpPr>
-      <p:grpSpPr>
-        <a:xfrm>
-          <a:off x="0" y="0"/>
-          <a:ext cx="0" cy="0"/>
-          <a:chOff x="0" y="0"/>
-          <a:chExt cx="0" cy="0"/>
-        </a:xfrm>
-      </p:grpSpPr>
-      <p:sp>
-        <p:nvSpPr>
-          <p:cNvPr id="2" name="Title 1">
-            <a:extLst>
-              <a:ext uri="{FF2B5EF4-FFF2-40B4-BE49-F238E27FC236}">
-                <a16:creationId xmlns:a16="http://schemas.microsoft.com/office/drawing/2014/main" id="{D06BE284-5030-E5A5-0C7A-0273AA244E48}"/>
-              </a:ext>
-            </a:extLst>
-          </p:cNvPr>
-          <p:cNvSpPr>
-            <a:spLocks noGrp="1"/>
-          </p:cNvSpPr>
-          <p:nvPr>
-            <p:ph type="title"/>
-          </p:nvPr>
-        </p:nvSpPr>
-        <p:spPr/>
-        <p:txBody>
-          <a:bodyPr/>
-          <a:lstStyle/>
-          <a:p>
-            <a:r>
-              <a:rPr lang="en-US" dirty="0"/>
-              <a:t>Fabric REST API Used for Workspace Management</a:t>
-            </a:r>
-          </a:p>
-        </p:txBody>
-      </p:sp>
-      <p:sp>
-        <p:nvSpPr>
-          <p:cNvPr id="22" name="Text Placeholder 21">
-            <a:extLst>
-              <a:ext uri="{FF2B5EF4-FFF2-40B4-BE49-F238E27FC236}">
-                <a16:creationId xmlns:a16="http://schemas.microsoft.com/office/drawing/2014/main" id="{CEA9FBB6-21AC-4F47-961D-B9F11F75AE62}"/>
-              </a:ext>
-            </a:extLst>
-          </p:cNvPr>
-          <p:cNvSpPr>
-            <a:spLocks noGrp="1"/>
-          </p:cNvSpPr>
-          <p:nvPr>
-            <p:ph type="body" sz="quarter" idx="10"/>
-          </p:nvPr>
-        </p:nvSpPr>
-        <p:spPr>
-          <a:xfrm>
-            <a:off x="511277" y="1227439"/>
-            <a:ext cx="11604521" cy="1523494"/>
-          </a:xfrm>
-        </p:spPr>
-        <p:txBody>
-          <a:bodyPr/>
-          <a:lstStyle/>
-          <a:p>
-            <a:r>
-              <a:rPr lang="en-US" dirty="0"/>
-              <a:t>Fabric REST API used to create and configure new workspace on demand</a:t>
-            </a:r>
-          </a:p>
-          <a:p>
-            <a:pPr lvl="1"/>
-            <a:r>
-              <a:rPr lang="en-US" dirty="0"/>
-              <a:t>Deployment logic must associate each workspace with Fabric-enabled capacity</a:t>
-            </a:r>
-          </a:p>
-          <a:p>
-            <a:pPr lvl="1"/>
-            <a:r>
-              <a:rPr lang="en-US" dirty="0"/>
-              <a:t>Deployment logic adds workspace role assignment to configure who has access</a:t>
-            </a:r>
-          </a:p>
-          <a:p>
-            <a:pPr lvl="1"/>
-            <a:endParaRPr lang="en-US" dirty="0"/>
-          </a:p>
-        </p:txBody>
-      </p:sp>
-      <p:sp>
-        <p:nvSpPr>
-          <p:cNvPr id="3" name="Rectangle 2">
-            <a:extLst>
-              <a:ext uri="{FF2B5EF4-FFF2-40B4-BE49-F238E27FC236}">
-                <a16:creationId xmlns:a16="http://schemas.microsoft.com/office/drawing/2014/main" id="{33BDC619-EBF5-482C-A237-C81C360051A0}"/>
-              </a:ext>
-            </a:extLst>
-          </p:cNvPr>
-          <p:cNvSpPr/>
-          <p:nvPr/>
-        </p:nvSpPr>
-        <p:spPr>
-          <a:xfrm>
-            <a:off x="1041069" y="2600324"/>
-            <a:ext cx="5038531" cy="4203701"/>
-          </a:xfrm>
-          <a:prstGeom prst="rect">
-            <a:avLst/>
-          </a:prstGeom>
-          <a:solidFill>
-            <a:srgbClr val="FFF5D5"/>
-          </a:solidFill>
-          <a:ln w="6350">
-            <a:solidFill>
-              <a:schemeClr val="tx1"/>
-            </a:solidFill>
-          </a:ln>
-        </p:spPr>
-        <p:style>
-          <a:lnRef idx="2">
-            <a:schemeClr val="accent1">
-              <a:shade val="50000"/>
-            </a:schemeClr>
-          </a:lnRef>
-          <a:fillRef idx="1">
-            <a:schemeClr val="accent1"/>
-          </a:fillRef>
-          <a:effectRef idx="0">
-            <a:schemeClr val="accent1"/>
-          </a:effectRef>
-          <a:fontRef idx="minor">
-            <a:schemeClr val="lt1"/>
-          </a:fontRef>
-        </p:style>
-        <p:txBody>
-          <a:bodyPr tIns="91440" bIns="82296" rtlCol="0" anchor="t"/>
-          <a:lstStyle/>
-          <a:p>
-            <a:pPr algn="ctr"/>
-            <a:r>
-              <a:rPr lang="en-US" sz="1400" b="1" dirty="0">
-                <a:solidFill>
-                  <a:schemeClr val="tx1"/>
-                </a:solidFill>
-              </a:rPr>
-              <a:t>Fabric Environment</a:t>
-            </a:r>
-          </a:p>
-          <a:p>
-            <a:pPr algn="ctr"/>
-            <a:r>
-              <a:rPr lang="en-US" sz="1200" dirty="0">
-                <a:solidFill>
-                  <a:schemeClr val="tx1"/>
-                </a:solidFill>
-              </a:rPr>
-              <a:t>Entra Id Tenant</a:t>
-            </a:r>
-          </a:p>
-        </p:txBody>
-      </p:sp>
-      <p:sp>
-        <p:nvSpPr>
-          <p:cNvPr id="4" name="Rectangle 3">
-            <a:extLst>
-              <a:ext uri="{FF2B5EF4-FFF2-40B4-BE49-F238E27FC236}">
-                <a16:creationId xmlns:a16="http://schemas.microsoft.com/office/drawing/2014/main" id="{B3923E1C-F78A-67C6-7574-AFC7D8C903C0}"/>
-              </a:ext>
-            </a:extLst>
-          </p:cNvPr>
-          <p:cNvSpPr/>
-          <p:nvPr/>
-        </p:nvSpPr>
-        <p:spPr bwMode="auto">
-          <a:xfrm>
-            <a:off x="4050012" y="3172707"/>
-            <a:ext cx="1757385" cy="339553"/>
-          </a:xfrm>
-          <a:prstGeom prst="rect">
-            <a:avLst/>
-          </a:prstGeom>
-          <a:solidFill>
-            <a:schemeClr val="accent1"/>
-          </a:solidFill>
-          <a:ln>
-            <a:solidFill>
-              <a:schemeClr val="tx1"/>
-            </a:solidFill>
-            <a:headEnd type="none" w="med" len="med"/>
-            <a:tailEnd type="none" w="med" len="med"/>
-          </a:ln>
-          <a:effectLst/>
-        </p:spPr>
-        <p:style>
-          <a:lnRef idx="1">
-            <a:schemeClr val="accent2"/>
-          </a:lnRef>
-          <a:fillRef idx="3">
-            <a:schemeClr val="accent2"/>
-          </a:fillRef>
-          <a:effectRef idx="2">
-            <a:schemeClr val="accent2"/>
-          </a:effectRef>
-          <a:fontRef idx="minor">
-            <a:schemeClr val="lt1"/>
-          </a:fontRef>
-        </p:style>
-        <p:txBody>
-          <a:bodyPr rot="0" spcFirstLastPara="0" vertOverflow="overflow" horzOverflow="overflow" vert="horz" wrap="square" lIns="182880" tIns="146304" rIns="182880" bIns="146304" numCol="1" spcCol="0" rtlCol="0" fromWordArt="0" anchor="ctr" anchorCtr="0" forceAA="0" compatLnSpc="1">
-            <a:prstTxWarp prst="textNoShape">
-              <a:avLst/>
-            </a:prstTxWarp>
-            <a:noAutofit/>
-          </a:bodyPr>
-          <a:lstStyle/>
-          <a:p>
-            <a:pPr algn="ctr" defTabSz="932472" fontAlgn="base">
-              <a:lnSpc>
-                <a:spcPct val="90000"/>
-              </a:lnSpc>
-              <a:spcBef>
-                <a:spcPct val="0"/>
-              </a:spcBef>
-              <a:spcAft>
-                <a:spcPct val="0"/>
-              </a:spcAft>
-            </a:pPr>
-            <a:r>
-              <a:rPr lang="en-US" sz="1200" b="1" dirty="0">
-                <a:solidFill>
-                  <a:schemeClr val="tx1"/>
-                </a:solidFill>
-                <a:latin typeface="Arial" panose="020B0604020202020204" pitchFamily="34" charset="0"/>
-                <a:ea typeface="Segoe UI" pitchFamily="34" charset="0"/>
-                <a:cs typeface="Arial" panose="020B0604020202020204" pitchFamily="34" charset="0"/>
-              </a:rPr>
-              <a:t>Capacity (F4)</a:t>
-            </a:r>
-          </a:p>
-        </p:txBody>
-      </p:sp>
-      <p:sp>
-        <p:nvSpPr>
-          <p:cNvPr id="5" name="Rectangle 4">
-            <a:extLst>
-              <a:ext uri="{FF2B5EF4-FFF2-40B4-BE49-F238E27FC236}">
-                <a16:creationId xmlns:a16="http://schemas.microsoft.com/office/drawing/2014/main" id="{86C14C82-E61F-E1BC-BBC7-73F8FC7B1CC9}"/>
-              </a:ext>
-            </a:extLst>
-          </p:cNvPr>
-          <p:cNvSpPr/>
-          <p:nvPr/>
-        </p:nvSpPr>
-        <p:spPr bwMode="auto">
-          <a:xfrm>
-            <a:off x="4050012" y="3633687"/>
-            <a:ext cx="1757385" cy="783403"/>
-          </a:xfrm>
-          <a:prstGeom prst="rect">
-            <a:avLst/>
-          </a:prstGeom>
-          <a:solidFill>
-            <a:schemeClr val="accent1"/>
-          </a:solidFill>
-          <a:ln>
-            <a:solidFill>
-              <a:schemeClr val="tx1"/>
-            </a:solidFill>
-            <a:headEnd type="none" w="med" len="med"/>
-            <a:tailEnd type="none" w="med" len="med"/>
-          </a:ln>
-          <a:effectLst/>
-        </p:spPr>
-        <p:style>
-          <a:lnRef idx="1">
-            <a:schemeClr val="accent2"/>
-          </a:lnRef>
-          <a:fillRef idx="3">
-            <a:schemeClr val="accent2"/>
-          </a:fillRef>
-          <a:effectRef idx="2">
-            <a:schemeClr val="accent2"/>
-          </a:effectRef>
-          <a:fontRef idx="minor">
-            <a:schemeClr val="lt1"/>
-          </a:fontRef>
-        </p:style>
-        <p:txBody>
-          <a:bodyPr rot="0" spcFirstLastPara="0" vertOverflow="overflow" horzOverflow="overflow" vert="horz" wrap="square" lIns="182880" tIns="146304" rIns="182880" bIns="146304" numCol="1" spcCol="0" rtlCol="0" fromWordArt="0" anchor="ctr" anchorCtr="0" forceAA="0" compatLnSpc="1">
-            <a:prstTxWarp prst="textNoShape">
-              <a:avLst/>
-            </a:prstTxWarp>
-            <a:noAutofit/>
-          </a:bodyPr>
-          <a:lstStyle/>
-          <a:p>
-            <a:pPr algn="ctr" defTabSz="932472" fontAlgn="base">
-              <a:lnSpc>
-                <a:spcPct val="90000"/>
-              </a:lnSpc>
-              <a:spcBef>
-                <a:spcPct val="0"/>
-              </a:spcBef>
-              <a:spcAft>
-                <a:spcPct val="0"/>
-              </a:spcAft>
-            </a:pPr>
-            <a:r>
-              <a:rPr lang="en-US" sz="1200" b="1" dirty="0">
-                <a:solidFill>
-                  <a:schemeClr val="tx1"/>
-                </a:solidFill>
-                <a:latin typeface="Arial" panose="020B0604020202020204" pitchFamily="34" charset="0"/>
-                <a:ea typeface="Segoe UI" pitchFamily="34" charset="0"/>
-                <a:cs typeface="Arial" panose="020B0604020202020204" pitchFamily="34" charset="0"/>
-              </a:rPr>
-              <a:t>Capacity (F16)</a:t>
-            </a:r>
-          </a:p>
-        </p:txBody>
-      </p:sp>
-      <p:sp>
-        <p:nvSpPr>
-          <p:cNvPr id="6" name="Rectangle 5">
-            <a:extLst>
-              <a:ext uri="{FF2B5EF4-FFF2-40B4-BE49-F238E27FC236}">
-                <a16:creationId xmlns:a16="http://schemas.microsoft.com/office/drawing/2014/main" id="{A47A9CC0-FB62-CACB-B768-EF1FCCF46CFD}"/>
-              </a:ext>
-            </a:extLst>
-          </p:cNvPr>
-          <p:cNvSpPr/>
-          <p:nvPr/>
-        </p:nvSpPr>
-        <p:spPr bwMode="auto">
-          <a:xfrm>
-            <a:off x="4050012" y="4504257"/>
-            <a:ext cx="1757385" cy="1671103"/>
-          </a:xfrm>
-          <a:prstGeom prst="rect">
-            <a:avLst/>
-          </a:prstGeom>
-          <a:solidFill>
-            <a:schemeClr val="accent1"/>
-          </a:solidFill>
-          <a:ln>
-            <a:solidFill>
-              <a:schemeClr val="tx1"/>
-            </a:solidFill>
-            <a:headEnd type="none" w="med" len="med"/>
-            <a:tailEnd type="none" w="med" len="med"/>
-          </a:ln>
-          <a:effectLst/>
-        </p:spPr>
-        <p:style>
-          <a:lnRef idx="1">
-            <a:schemeClr val="accent2"/>
-          </a:lnRef>
-          <a:fillRef idx="3">
-            <a:schemeClr val="accent2"/>
-          </a:fillRef>
-          <a:effectRef idx="2">
-            <a:schemeClr val="accent2"/>
-          </a:effectRef>
-          <a:fontRef idx="minor">
-            <a:schemeClr val="lt1"/>
-          </a:fontRef>
-        </p:style>
-        <p:txBody>
-          <a:bodyPr rot="0" spcFirstLastPara="0" vertOverflow="overflow" horzOverflow="overflow" vert="horz" wrap="square" lIns="182880" tIns="146304" rIns="182880" bIns="146304" numCol="1" spcCol="0" rtlCol="0" fromWordArt="0" anchor="ctr" anchorCtr="0" forceAA="0" compatLnSpc="1">
-            <a:prstTxWarp prst="textNoShape">
-              <a:avLst/>
-            </a:prstTxWarp>
-            <a:noAutofit/>
-          </a:bodyPr>
-          <a:lstStyle/>
-          <a:p>
-            <a:pPr algn="ctr" defTabSz="932472" fontAlgn="base">
-              <a:lnSpc>
-                <a:spcPct val="90000"/>
-              </a:lnSpc>
-              <a:spcBef>
-                <a:spcPct val="0"/>
-              </a:spcBef>
-              <a:spcAft>
-                <a:spcPct val="0"/>
-              </a:spcAft>
-            </a:pPr>
-            <a:r>
-              <a:rPr lang="en-US" sz="1200" b="1" dirty="0">
-                <a:solidFill>
-                  <a:schemeClr val="tx1"/>
-                </a:solidFill>
-                <a:latin typeface="Arial" panose="020B0604020202020204" pitchFamily="34" charset="0"/>
-                <a:ea typeface="Segoe UI" pitchFamily="34" charset="0"/>
-                <a:cs typeface="Arial" panose="020B0604020202020204" pitchFamily="34" charset="0"/>
-              </a:rPr>
-              <a:t>Capacity (F64)</a:t>
-            </a:r>
-          </a:p>
-        </p:txBody>
-      </p:sp>
-      <p:sp>
-        <p:nvSpPr>
-          <p:cNvPr id="7" name="Rectangle 6">
-            <a:extLst>
-              <a:ext uri="{FF2B5EF4-FFF2-40B4-BE49-F238E27FC236}">
-                <a16:creationId xmlns:a16="http://schemas.microsoft.com/office/drawing/2014/main" id="{F5C768E1-16CA-D348-F837-8FBA7EB2A6DD}"/>
-              </a:ext>
-            </a:extLst>
-          </p:cNvPr>
-          <p:cNvSpPr/>
-          <p:nvPr/>
-        </p:nvSpPr>
-        <p:spPr bwMode="auto">
-          <a:xfrm>
-            <a:off x="1291806" y="3172707"/>
-            <a:ext cx="1757385" cy="339553"/>
-          </a:xfrm>
-          <a:prstGeom prst="rect">
-            <a:avLst/>
-          </a:prstGeom>
-          <a:solidFill>
-            <a:schemeClr val="bg2">
-              <a:lumMod val="85000"/>
-            </a:schemeClr>
-          </a:solidFill>
-          <a:ln>
-            <a:solidFill>
-              <a:schemeClr val="tx1"/>
-            </a:solidFill>
-            <a:headEnd type="none" w="med" len="med"/>
-            <a:tailEnd type="none" w="med" len="med"/>
-          </a:ln>
-          <a:effectLst/>
-        </p:spPr>
-        <p:style>
-          <a:lnRef idx="1">
-            <a:schemeClr val="accent2"/>
-          </a:lnRef>
-          <a:fillRef idx="3">
-            <a:schemeClr val="accent2"/>
-          </a:fillRef>
-          <a:effectRef idx="2">
-            <a:schemeClr val="accent2"/>
-          </a:effectRef>
-          <a:fontRef idx="minor">
-            <a:schemeClr val="lt1"/>
-          </a:fontRef>
-        </p:style>
-        <p:txBody>
-          <a:bodyPr rot="0" spcFirstLastPara="0" vertOverflow="overflow" horzOverflow="overflow" vert="horz" wrap="square" lIns="182880" tIns="146304" rIns="182880" bIns="146304" numCol="1" spcCol="0" rtlCol="0" fromWordArt="0" anchor="ctr" anchorCtr="0" forceAA="0" compatLnSpc="1">
-            <a:prstTxWarp prst="textNoShape">
-              <a:avLst/>
-            </a:prstTxWarp>
-            <a:noAutofit/>
-          </a:bodyPr>
-          <a:lstStyle/>
-          <a:p>
-            <a:pPr algn="ctr" defTabSz="932472" fontAlgn="base">
-              <a:lnSpc>
-                <a:spcPct val="90000"/>
-              </a:lnSpc>
-              <a:spcBef>
-                <a:spcPct val="0"/>
-              </a:spcBef>
-              <a:spcAft>
-                <a:spcPct val="0"/>
-              </a:spcAft>
-            </a:pPr>
-            <a:r>
-              <a:rPr lang="en-US" sz="1200" b="1" dirty="0">
-                <a:solidFill>
-                  <a:schemeClr val="tx1"/>
-                </a:solidFill>
-                <a:latin typeface="Arial" panose="020B0604020202020204" pitchFamily="34" charset="0"/>
-                <a:ea typeface="Segoe UI" pitchFamily="34" charset="0"/>
-                <a:cs typeface="Arial" panose="020B0604020202020204" pitchFamily="34" charset="0"/>
-              </a:rPr>
-              <a:t>Workspace 1</a:t>
-            </a:r>
-          </a:p>
-        </p:txBody>
-      </p:sp>
-      <p:sp>
-        <p:nvSpPr>
-          <p:cNvPr id="8" name="Rectangle 7">
-            <a:extLst>
-              <a:ext uri="{FF2B5EF4-FFF2-40B4-BE49-F238E27FC236}">
-                <a16:creationId xmlns:a16="http://schemas.microsoft.com/office/drawing/2014/main" id="{4E167402-70EA-654D-F322-465AC8BCBF7C}"/>
-              </a:ext>
-            </a:extLst>
-          </p:cNvPr>
-          <p:cNvSpPr/>
-          <p:nvPr/>
-        </p:nvSpPr>
-        <p:spPr bwMode="auto">
-          <a:xfrm>
-            <a:off x="1291806" y="3616557"/>
-            <a:ext cx="1757385" cy="339553"/>
-          </a:xfrm>
-          <a:prstGeom prst="rect">
-            <a:avLst/>
-          </a:prstGeom>
-          <a:solidFill>
-            <a:schemeClr val="bg2">
-              <a:lumMod val="85000"/>
-            </a:schemeClr>
-          </a:solidFill>
-          <a:ln>
-            <a:solidFill>
-              <a:schemeClr val="tx1"/>
-            </a:solidFill>
-            <a:headEnd type="none" w="med" len="med"/>
-            <a:tailEnd type="none" w="med" len="med"/>
-          </a:ln>
-          <a:effectLst/>
-        </p:spPr>
-        <p:style>
-          <a:lnRef idx="1">
-            <a:schemeClr val="accent2"/>
-          </a:lnRef>
-          <a:fillRef idx="3">
-            <a:schemeClr val="accent2"/>
-          </a:fillRef>
-          <a:effectRef idx="2">
-            <a:schemeClr val="accent2"/>
-          </a:effectRef>
-          <a:fontRef idx="minor">
-            <a:schemeClr val="lt1"/>
-          </a:fontRef>
-        </p:style>
-        <p:txBody>
-          <a:bodyPr rot="0" spcFirstLastPara="0" vertOverflow="overflow" horzOverflow="overflow" vert="horz" wrap="square" lIns="182880" tIns="146304" rIns="182880" bIns="146304" numCol="1" spcCol="0" rtlCol="0" fromWordArt="0" anchor="ctr" anchorCtr="0" forceAA="0" compatLnSpc="1">
-            <a:prstTxWarp prst="textNoShape">
-              <a:avLst/>
-            </a:prstTxWarp>
-            <a:noAutofit/>
-          </a:bodyPr>
-          <a:lstStyle/>
-          <a:p>
-            <a:pPr algn="ctr" defTabSz="932472" fontAlgn="base">
-              <a:lnSpc>
-                <a:spcPct val="90000"/>
-              </a:lnSpc>
-              <a:spcBef>
-                <a:spcPct val="0"/>
-              </a:spcBef>
-              <a:spcAft>
-                <a:spcPct val="0"/>
-              </a:spcAft>
-            </a:pPr>
-            <a:r>
-              <a:rPr lang="en-US" sz="1200" b="1" dirty="0">
-                <a:solidFill>
-                  <a:schemeClr val="tx1"/>
-                </a:solidFill>
-                <a:latin typeface="Arial" panose="020B0604020202020204" pitchFamily="34" charset="0"/>
-                <a:ea typeface="Segoe UI" pitchFamily="34" charset="0"/>
-                <a:cs typeface="Arial" panose="020B0604020202020204" pitchFamily="34" charset="0"/>
-              </a:rPr>
-              <a:t>Workspace 2</a:t>
-            </a:r>
-          </a:p>
-        </p:txBody>
-      </p:sp>
-      <p:sp>
-        <p:nvSpPr>
-          <p:cNvPr id="9" name="Rectangle 8">
-            <a:extLst>
-              <a:ext uri="{FF2B5EF4-FFF2-40B4-BE49-F238E27FC236}">
-                <a16:creationId xmlns:a16="http://schemas.microsoft.com/office/drawing/2014/main" id="{AA8026B2-BA6F-D21E-043D-D1AEFED373B4}"/>
-              </a:ext>
-            </a:extLst>
-          </p:cNvPr>
-          <p:cNvSpPr/>
-          <p:nvPr/>
-        </p:nvSpPr>
-        <p:spPr bwMode="auto">
-          <a:xfrm>
-            <a:off x="1291805" y="4060407"/>
-            <a:ext cx="1757385" cy="339553"/>
-          </a:xfrm>
-          <a:prstGeom prst="rect">
-            <a:avLst/>
-          </a:prstGeom>
-          <a:solidFill>
-            <a:schemeClr val="bg2">
-              <a:lumMod val="85000"/>
-            </a:schemeClr>
-          </a:solidFill>
-          <a:ln>
-            <a:solidFill>
-              <a:schemeClr val="tx1"/>
-            </a:solidFill>
-            <a:headEnd type="none" w="med" len="med"/>
-            <a:tailEnd type="none" w="med" len="med"/>
-          </a:ln>
-          <a:effectLst/>
-        </p:spPr>
-        <p:style>
-          <a:lnRef idx="1">
-            <a:schemeClr val="accent2"/>
-          </a:lnRef>
-          <a:fillRef idx="3">
-            <a:schemeClr val="accent2"/>
-          </a:fillRef>
-          <a:effectRef idx="2">
-            <a:schemeClr val="accent2"/>
-          </a:effectRef>
-          <a:fontRef idx="minor">
-            <a:schemeClr val="lt1"/>
-          </a:fontRef>
-        </p:style>
-        <p:txBody>
-          <a:bodyPr rot="0" spcFirstLastPara="0" vertOverflow="overflow" horzOverflow="overflow" vert="horz" wrap="square" lIns="182880" tIns="146304" rIns="182880" bIns="146304" numCol="1" spcCol="0" rtlCol="0" fromWordArt="0" anchor="ctr" anchorCtr="0" forceAA="0" compatLnSpc="1">
-            <a:prstTxWarp prst="textNoShape">
-              <a:avLst/>
-            </a:prstTxWarp>
-            <a:noAutofit/>
-          </a:bodyPr>
-          <a:lstStyle/>
-          <a:p>
-            <a:pPr algn="ctr" defTabSz="932472" fontAlgn="base">
-              <a:lnSpc>
-                <a:spcPct val="90000"/>
-              </a:lnSpc>
-              <a:spcBef>
-                <a:spcPct val="0"/>
-              </a:spcBef>
-              <a:spcAft>
-                <a:spcPct val="0"/>
-              </a:spcAft>
-            </a:pPr>
-            <a:r>
-              <a:rPr lang="en-US" sz="1200" b="1" dirty="0">
-                <a:solidFill>
-                  <a:schemeClr val="tx1"/>
-                </a:solidFill>
-                <a:latin typeface="Arial" panose="020B0604020202020204" pitchFamily="34" charset="0"/>
-                <a:ea typeface="Segoe UI" pitchFamily="34" charset="0"/>
-                <a:cs typeface="Arial" panose="020B0604020202020204" pitchFamily="34" charset="0"/>
-              </a:rPr>
-              <a:t>Workspace 3</a:t>
-            </a:r>
-          </a:p>
-        </p:txBody>
-      </p:sp>
-      <p:sp>
-        <p:nvSpPr>
-          <p:cNvPr id="10" name="Rectangle 9">
-            <a:extLst>
-              <a:ext uri="{FF2B5EF4-FFF2-40B4-BE49-F238E27FC236}">
-                <a16:creationId xmlns:a16="http://schemas.microsoft.com/office/drawing/2014/main" id="{7EBA1836-88DE-CAAB-C5F8-C917AA94D1F7}"/>
-              </a:ext>
-            </a:extLst>
-          </p:cNvPr>
-          <p:cNvSpPr/>
-          <p:nvPr/>
-        </p:nvSpPr>
-        <p:spPr bwMode="auto">
-          <a:xfrm>
-            <a:off x="1291805" y="4504257"/>
-            <a:ext cx="1757385" cy="339553"/>
-          </a:xfrm>
-          <a:prstGeom prst="rect">
-            <a:avLst/>
-          </a:prstGeom>
-          <a:solidFill>
-            <a:schemeClr val="bg2">
-              <a:lumMod val="85000"/>
-            </a:schemeClr>
-          </a:solidFill>
-          <a:ln>
-            <a:solidFill>
-              <a:schemeClr val="tx1"/>
-            </a:solidFill>
-            <a:headEnd type="none" w="med" len="med"/>
-            <a:tailEnd type="none" w="med" len="med"/>
-          </a:ln>
-          <a:effectLst/>
-        </p:spPr>
-        <p:style>
-          <a:lnRef idx="1">
-            <a:schemeClr val="accent2"/>
-          </a:lnRef>
-          <a:fillRef idx="3">
-            <a:schemeClr val="accent2"/>
-          </a:fillRef>
-          <a:effectRef idx="2">
-            <a:schemeClr val="accent2"/>
-          </a:effectRef>
-          <a:fontRef idx="minor">
-            <a:schemeClr val="lt1"/>
-          </a:fontRef>
-        </p:style>
-        <p:txBody>
-          <a:bodyPr rot="0" spcFirstLastPara="0" vertOverflow="overflow" horzOverflow="overflow" vert="horz" wrap="square" lIns="182880" tIns="146304" rIns="182880" bIns="146304" numCol="1" spcCol="0" rtlCol="0" fromWordArt="0" anchor="ctr" anchorCtr="0" forceAA="0" compatLnSpc="1">
-            <a:prstTxWarp prst="textNoShape">
-              <a:avLst/>
-            </a:prstTxWarp>
-            <a:noAutofit/>
-          </a:bodyPr>
-          <a:lstStyle/>
-          <a:p>
-            <a:pPr algn="ctr" defTabSz="932472" fontAlgn="base">
-              <a:lnSpc>
-                <a:spcPct val="90000"/>
-              </a:lnSpc>
-              <a:spcBef>
-                <a:spcPct val="0"/>
-              </a:spcBef>
-              <a:spcAft>
-                <a:spcPct val="0"/>
-              </a:spcAft>
-            </a:pPr>
-            <a:r>
-              <a:rPr lang="en-US" sz="1200" b="1" dirty="0">
-                <a:solidFill>
-                  <a:schemeClr val="tx1"/>
-                </a:solidFill>
-                <a:latin typeface="Arial" panose="020B0604020202020204" pitchFamily="34" charset="0"/>
-                <a:ea typeface="Segoe UI" pitchFamily="34" charset="0"/>
-                <a:cs typeface="Arial" panose="020B0604020202020204" pitchFamily="34" charset="0"/>
-              </a:rPr>
-              <a:t>Workspace 4</a:t>
-            </a:r>
-          </a:p>
-        </p:txBody>
-      </p:sp>
-      <p:sp>
-        <p:nvSpPr>
-          <p:cNvPr id="11" name="Rectangle 10">
-            <a:extLst>
-              <a:ext uri="{FF2B5EF4-FFF2-40B4-BE49-F238E27FC236}">
-                <a16:creationId xmlns:a16="http://schemas.microsoft.com/office/drawing/2014/main" id="{B0783367-0EFF-817E-8585-546ED3645B38}"/>
-              </a:ext>
-            </a:extLst>
-          </p:cNvPr>
-          <p:cNvSpPr/>
-          <p:nvPr/>
-        </p:nvSpPr>
-        <p:spPr bwMode="auto">
-          <a:xfrm>
-            <a:off x="1291805" y="4948107"/>
-            <a:ext cx="1757385" cy="339553"/>
-          </a:xfrm>
-          <a:prstGeom prst="rect">
-            <a:avLst/>
-          </a:prstGeom>
-          <a:solidFill>
-            <a:schemeClr val="bg2">
-              <a:lumMod val="85000"/>
-            </a:schemeClr>
-          </a:solidFill>
-          <a:ln>
-            <a:solidFill>
-              <a:schemeClr val="tx1"/>
-            </a:solidFill>
-            <a:headEnd type="none" w="med" len="med"/>
-            <a:tailEnd type="none" w="med" len="med"/>
-          </a:ln>
-          <a:effectLst/>
-        </p:spPr>
-        <p:style>
-          <a:lnRef idx="1">
-            <a:schemeClr val="accent2"/>
-          </a:lnRef>
-          <a:fillRef idx="3">
-            <a:schemeClr val="accent2"/>
-          </a:fillRef>
-          <a:effectRef idx="2">
-            <a:schemeClr val="accent2"/>
-          </a:effectRef>
-          <a:fontRef idx="minor">
-            <a:schemeClr val="lt1"/>
-          </a:fontRef>
-        </p:style>
-        <p:txBody>
-          <a:bodyPr rot="0" spcFirstLastPara="0" vertOverflow="overflow" horzOverflow="overflow" vert="horz" wrap="square" lIns="182880" tIns="146304" rIns="182880" bIns="146304" numCol="1" spcCol="0" rtlCol="0" fromWordArt="0" anchor="ctr" anchorCtr="0" forceAA="0" compatLnSpc="1">
-            <a:prstTxWarp prst="textNoShape">
-              <a:avLst/>
-            </a:prstTxWarp>
-            <a:noAutofit/>
-          </a:bodyPr>
-          <a:lstStyle/>
-          <a:p>
-            <a:pPr algn="ctr" defTabSz="932472" fontAlgn="base">
-              <a:lnSpc>
-                <a:spcPct val="90000"/>
-              </a:lnSpc>
-              <a:spcBef>
-                <a:spcPct val="0"/>
-              </a:spcBef>
-              <a:spcAft>
-                <a:spcPct val="0"/>
-              </a:spcAft>
-            </a:pPr>
-            <a:r>
-              <a:rPr lang="en-US" sz="1200" b="1" dirty="0">
-                <a:solidFill>
-                  <a:schemeClr val="tx1"/>
-                </a:solidFill>
-                <a:latin typeface="Arial" panose="020B0604020202020204" pitchFamily="34" charset="0"/>
-                <a:ea typeface="Segoe UI" pitchFamily="34" charset="0"/>
-                <a:cs typeface="Arial" panose="020B0604020202020204" pitchFamily="34" charset="0"/>
-              </a:rPr>
-              <a:t>Workspace 5</a:t>
-            </a:r>
-          </a:p>
-        </p:txBody>
-      </p:sp>
-      <p:sp>
-        <p:nvSpPr>
-          <p:cNvPr id="12" name="Rectangle 11">
-            <a:extLst>
-              <a:ext uri="{FF2B5EF4-FFF2-40B4-BE49-F238E27FC236}">
-                <a16:creationId xmlns:a16="http://schemas.microsoft.com/office/drawing/2014/main" id="{A53A0B5F-E7FB-007E-9463-02F57392A9CD}"/>
-              </a:ext>
-            </a:extLst>
-          </p:cNvPr>
-          <p:cNvSpPr/>
-          <p:nvPr/>
-        </p:nvSpPr>
-        <p:spPr bwMode="auto">
-          <a:xfrm>
-            <a:off x="1291804" y="5391957"/>
-            <a:ext cx="1757385" cy="339553"/>
-          </a:xfrm>
-          <a:prstGeom prst="rect">
-            <a:avLst/>
-          </a:prstGeom>
-          <a:solidFill>
-            <a:schemeClr val="bg2">
-              <a:lumMod val="85000"/>
-            </a:schemeClr>
-          </a:solidFill>
-          <a:ln>
-            <a:solidFill>
-              <a:schemeClr val="tx1"/>
-            </a:solidFill>
-            <a:headEnd type="none" w="med" len="med"/>
-            <a:tailEnd type="none" w="med" len="med"/>
-          </a:ln>
-          <a:effectLst/>
-        </p:spPr>
-        <p:style>
-          <a:lnRef idx="1">
-            <a:schemeClr val="accent2"/>
-          </a:lnRef>
-          <a:fillRef idx="3">
-            <a:schemeClr val="accent2"/>
-          </a:fillRef>
-          <a:effectRef idx="2">
-            <a:schemeClr val="accent2"/>
-          </a:effectRef>
-          <a:fontRef idx="minor">
-            <a:schemeClr val="lt1"/>
-          </a:fontRef>
-        </p:style>
-        <p:txBody>
-          <a:bodyPr rot="0" spcFirstLastPara="0" vertOverflow="overflow" horzOverflow="overflow" vert="horz" wrap="square" lIns="182880" tIns="146304" rIns="182880" bIns="146304" numCol="1" spcCol="0" rtlCol="0" fromWordArt="0" anchor="ctr" anchorCtr="0" forceAA="0" compatLnSpc="1">
-            <a:prstTxWarp prst="textNoShape">
-              <a:avLst/>
-            </a:prstTxWarp>
-            <a:noAutofit/>
-          </a:bodyPr>
-          <a:lstStyle/>
-          <a:p>
-            <a:pPr algn="ctr" defTabSz="932472" fontAlgn="base">
-              <a:lnSpc>
-                <a:spcPct val="90000"/>
-              </a:lnSpc>
-              <a:spcBef>
-                <a:spcPct val="0"/>
-              </a:spcBef>
-              <a:spcAft>
-                <a:spcPct val="0"/>
-              </a:spcAft>
-            </a:pPr>
-            <a:r>
-              <a:rPr lang="en-US" sz="1200" b="1" dirty="0">
-                <a:solidFill>
-                  <a:schemeClr val="tx1"/>
-                </a:solidFill>
-                <a:latin typeface="Arial" panose="020B0604020202020204" pitchFamily="34" charset="0"/>
-                <a:ea typeface="Segoe UI" pitchFamily="34" charset="0"/>
-                <a:cs typeface="Arial" panose="020B0604020202020204" pitchFamily="34" charset="0"/>
-              </a:rPr>
-              <a:t>Workspace 6</a:t>
-            </a:r>
-          </a:p>
-        </p:txBody>
-      </p:sp>
-      <p:sp>
-        <p:nvSpPr>
-          <p:cNvPr id="13" name="Rectangle 12">
-            <a:extLst>
-              <a:ext uri="{FF2B5EF4-FFF2-40B4-BE49-F238E27FC236}">
-                <a16:creationId xmlns:a16="http://schemas.microsoft.com/office/drawing/2014/main" id="{8842EC53-4F82-8EE1-D422-A56B8524490E}"/>
-              </a:ext>
-            </a:extLst>
-          </p:cNvPr>
-          <p:cNvSpPr/>
-          <p:nvPr/>
-        </p:nvSpPr>
-        <p:spPr bwMode="auto">
-          <a:xfrm>
-            <a:off x="1291803" y="5835807"/>
-            <a:ext cx="1757385" cy="339553"/>
-          </a:xfrm>
-          <a:prstGeom prst="rect">
-            <a:avLst/>
-          </a:prstGeom>
-          <a:solidFill>
-            <a:schemeClr val="bg2">
-              <a:lumMod val="85000"/>
-            </a:schemeClr>
-          </a:solidFill>
-          <a:ln>
-            <a:solidFill>
-              <a:schemeClr val="tx1"/>
-            </a:solidFill>
-            <a:headEnd type="none" w="med" len="med"/>
-            <a:tailEnd type="none" w="med" len="med"/>
-          </a:ln>
-          <a:effectLst/>
-        </p:spPr>
-        <p:style>
-          <a:lnRef idx="1">
-            <a:schemeClr val="accent2"/>
-          </a:lnRef>
-          <a:fillRef idx="3">
-            <a:schemeClr val="accent2"/>
-          </a:fillRef>
-          <a:effectRef idx="2">
-            <a:schemeClr val="accent2"/>
-          </a:effectRef>
-          <a:fontRef idx="minor">
-            <a:schemeClr val="lt1"/>
-          </a:fontRef>
-        </p:style>
-        <p:txBody>
-          <a:bodyPr rot="0" spcFirstLastPara="0" vertOverflow="overflow" horzOverflow="overflow" vert="horz" wrap="square" lIns="182880" tIns="146304" rIns="182880" bIns="146304" numCol="1" spcCol="0" rtlCol="0" fromWordArt="0" anchor="ctr" anchorCtr="0" forceAA="0" compatLnSpc="1">
-            <a:prstTxWarp prst="textNoShape">
-              <a:avLst/>
-            </a:prstTxWarp>
-            <a:noAutofit/>
-          </a:bodyPr>
-          <a:lstStyle/>
-          <a:p>
-            <a:pPr algn="ctr" defTabSz="932472" fontAlgn="base">
-              <a:lnSpc>
-                <a:spcPct val="90000"/>
-              </a:lnSpc>
-              <a:spcBef>
-                <a:spcPct val="0"/>
-              </a:spcBef>
-              <a:spcAft>
-                <a:spcPct val="0"/>
-              </a:spcAft>
-            </a:pPr>
-            <a:r>
-              <a:rPr lang="en-US" sz="1200" b="1" dirty="0">
-                <a:solidFill>
-                  <a:schemeClr val="tx1"/>
-                </a:solidFill>
-                <a:latin typeface="Arial" panose="020B0604020202020204" pitchFamily="34" charset="0"/>
-                <a:ea typeface="Segoe UI" pitchFamily="34" charset="0"/>
-                <a:cs typeface="Arial" panose="020B0604020202020204" pitchFamily="34" charset="0"/>
-              </a:rPr>
-              <a:t>Workspace 7</a:t>
-            </a:r>
-          </a:p>
-        </p:txBody>
-      </p:sp>
-      <p:sp>
-        <p:nvSpPr>
-          <p:cNvPr id="14" name="Rectangle 13">
-            <a:extLst>
-              <a:ext uri="{FF2B5EF4-FFF2-40B4-BE49-F238E27FC236}">
-                <a16:creationId xmlns:a16="http://schemas.microsoft.com/office/drawing/2014/main" id="{AD05C3EA-DB08-8C96-0B6D-1E05A6740D5B}"/>
-              </a:ext>
-            </a:extLst>
-          </p:cNvPr>
-          <p:cNvSpPr/>
-          <p:nvPr/>
-        </p:nvSpPr>
-        <p:spPr bwMode="auto">
-          <a:xfrm>
-            <a:off x="1291803" y="6279656"/>
-            <a:ext cx="1757385" cy="339553"/>
-          </a:xfrm>
-          <a:prstGeom prst="rect">
-            <a:avLst/>
-          </a:prstGeom>
-          <a:solidFill>
-            <a:schemeClr val="bg2">
-              <a:lumMod val="85000"/>
-            </a:schemeClr>
-          </a:solidFill>
-          <a:ln>
-            <a:solidFill>
-              <a:schemeClr val="tx1"/>
-            </a:solidFill>
-            <a:headEnd type="none" w="med" len="med"/>
-            <a:tailEnd type="none" w="med" len="med"/>
-          </a:ln>
-          <a:effectLst/>
-        </p:spPr>
-        <p:style>
-          <a:lnRef idx="1">
-            <a:schemeClr val="accent2"/>
-          </a:lnRef>
-          <a:fillRef idx="3">
-            <a:schemeClr val="accent2"/>
-          </a:fillRef>
-          <a:effectRef idx="2">
-            <a:schemeClr val="accent2"/>
-          </a:effectRef>
-          <a:fontRef idx="minor">
-            <a:schemeClr val="lt1"/>
-          </a:fontRef>
-        </p:style>
-        <p:txBody>
-          <a:bodyPr rot="0" spcFirstLastPara="0" vertOverflow="overflow" horzOverflow="overflow" vert="horz" wrap="square" lIns="182880" tIns="146304" rIns="182880" bIns="146304" numCol="1" spcCol="0" rtlCol="0" fromWordArt="0" anchor="ctr" anchorCtr="0" forceAA="0" compatLnSpc="1">
-            <a:prstTxWarp prst="textNoShape">
-              <a:avLst/>
-            </a:prstTxWarp>
-            <a:noAutofit/>
-          </a:bodyPr>
-          <a:lstStyle/>
-          <a:p>
-            <a:pPr algn="ctr" defTabSz="932472" fontAlgn="base">
-              <a:lnSpc>
-                <a:spcPct val="90000"/>
-              </a:lnSpc>
-              <a:spcBef>
-                <a:spcPct val="0"/>
-              </a:spcBef>
-              <a:spcAft>
-                <a:spcPct val="0"/>
-              </a:spcAft>
-            </a:pPr>
-            <a:r>
-              <a:rPr lang="en-US" sz="1200" b="1" dirty="0">
-                <a:solidFill>
-                  <a:schemeClr val="tx1"/>
-                </a:solidFill>
-                <a:latin typeface="Arial" panose="020B0604020202020204" pitchFamily="34" charset="0"/>
-                <a:ea typeface="Segoe UI" pitchFamily="34" charset="0"/>
-                <a:cs typeface="Arial" panose="020B0604020202020204" pitchFamily="34" charset="0"/>
-              </a:rPr>
-              <a:t>Workspace 8</a:t>
-            </a:r>
-          </a:p>
-        </p:txBody>
-      </p:sp>
-      <p:cxnSp>
-        <p:nvCxnSpPr>
-          <p:cNvPr id="15" name="Straight Arrow Connector 14">
-            <a:extLst>
-              <a:ext uri="{FF2B5EF4-FFF2-40B4-BE49-F238E27FC236}">
-                <a16:creationId xmlns:a16="http://schemas.microsoft.com/office/drawing/2014/main" id="{61DC60B8-E8D9-2A66-6EE0-0B36CD31603A}"/>
-              </a:ext>
-            </a:extLst>
-          </p:cNvPr>
-          <p:cNvCxnSpPr>
-            <a:cxnSpLocks/>
-          </p:cNvCxnSpPr>
-          <p:nvPr/>
-        </p:nvCxnSpPr>
-        <p:spPr>
-          <a:xfrm>
-            <a:off x="3049188" y="3343690"/>
-            <a:ext cx="921693" cy="0"/>
-          </a:xfrm>
-          <a:prstGeom prst="straightConnector1">
-            <a:avLst/>
-          </a:prstGeom>
-          <a:ln w="38100">
-            <a:solidFill>
-              <a:srgbClr val="6C0000"/>
-            </a:solidFill>
-            <a:headEnd type="none"/>
-            <a:tailEnd type="triangle"/>
-          </a:ln>
-        </p:spPr>
-        <p:style>
-          <a:lnRef idx="1">
-            <a:schemeClr val="accent1"/>
-          </a:lnRef>
-          <a:fillRef idx="0">
-            <a:schemeClr val="accent1"/>
-          </a:fillRef>
-          <a:effectRef idx="0">
-            <a:schemeClr val="accent1"/>
-          </a:effectRef>
-          <a:fontRef idx="minor">
-            <a:schemeClr val="tx1"/>
-          </a:fontRef>
-        </p:style>
-      </p:cxnSp>
-      <p:cxnSp>
-        <p:nvCxnSpPr>
-          <p:cNvPr id="16" name="Straight Arrow Connector 15">
-            <a:extLst>
-              <a:ext uri="{FF2B5EF4-FFF2-40B4-BE49-F238E27FC236}">
-                <a16:creationId xmlns:a16="http://schemas.microsoft.com/office/drawing/2014/main" id="{BF9F4882-1153-819E-0EFB-A63665B29619}"/>
-              </a:ext>
-            </a:extLst>
-          </p:cNvPr>
-          <p:cNvCxnSpPr>
-            <a:cxnSpLocks/>
-          </p:cNvCxnSpPr>
-          <p:nvPr/>
-        </p:nvCxnSpPr>
-        <p:spPr>
-          <a:xfrm flipV="1">
-            <a:off x="3049188" y="5900873"/>
-            <a:ext cx="921693" cy="124237"/>
-          </a:xfrm>
-          <a:prstGeom prst="straightConnector1">
-            <a:avLst/>
-          </a:prstGeom>
-          <a:ln w="38100">
-            <a:solidFill>
-              <a:srgbClr val="6C0000"/>
-            </a:solidFill>
-            <a:headEnd type="none"/>
-            <a:tailEnd type="triangle"/>
-          </a:ln>
-        </p:spPr>
-        <p:style>
-          <a:lnRef idx="1">
-            <a:schemeClr val="accent1"/>
-          </a:lnRef>
-          <a:fillRef idx="0">
-            <a:schemeClr val="accent1"/>
-          </a:fillRef>
-          <a:effectRef idx="0">
-            <a:schemeClr val="accent1"/>
-          </a:effectRef>
-          <a:fontRef idx="minor">
-            <a:schemeClr val="tx1"/>
-          </a:fontRef>
-        </p:style>
-      </p:cxnSp>
-      <p:cxnSp>
-        <p:nvCxnSpPr>
-          <p:cNvPr id="17" name="Straight Arrow Connector 16">
-            <a:extLst>
-              <a:ext uri="{FF2B5EF4-FFF2-40B4-BE49-F238E27FC236}">
-                <a16:creationId xmlns:a16="http://schemas.microsoft.com/office/drawing/2014/main" id="{48BE7A37-D846-326E-0B7B-8B86F1AEE2B4}"/>
-              </a:ext>
-            </a:extLst>
-          </p:cNvPr>
-          <p:cNvCxnSpPr>
-            <a:cxnSpLocks/>
-          </p:cNvCxnSpPr>
-          <p:nvPr/>
-        </p:nvCxnSpPr>
-        <p:spPr>
-          <a:xfrm flipV="1">
-            <a:off x="3049188" y="5525260"/>
-            <a:ext cx="921693" cy="52042"/>
-          </a:xfrm>
-          <a:prstGeom prst="straightConnector1">
-            <a:avLst/>
-          </a:prstGeom>
-          <a:ln w="38100">
-            <a:solidFill>
-              <a:srgbClr val="6C0000"/>
-            </a:solidFill>
-            <a:headEnd type="none"/>
-            <a:tailEnd type="triangle"/>
-          </a:ln>
-        </p:spPr>
-        <p:style>
-          <a:lnRef idx="1">
-            <a:schemeClr val="accent1"/>
-          </a:lnRef>
-          <a:fillRef idx="0">
-            <a:schemeClr val="accent1"/>
-          </a:fillRef>
-          <a:effectRef idx="0">
-            <a:schemeClr val="accent1"/>
-          </a:effectRef>
-          <a:fontRef idx="minor">
-            <a:schemeClr val="tx1"/>
-          </a:fontRef>
-        </p:style>
-      </p:cxnSp>
-      <p:cxnSp>
-        <p:nvCxnSpPr>
-          <p:cNvPr id="18" name="Straight Arrow Connector 17">
-            <a:extLst>
-              <a:ext uri="{FF2B5EF4-FFF2-40B4-BE49-F238E27FC236}">
-                <a16:creationId xmlns:a16="http://schemas.microsoft.com/office/drawing/2014/main" id="{613E4632-186E-8377-AF17-EB94D0E8E71A}"/>
-              </a:ext>
-            </a:extLst>
-          </p:cNvPr>
-          <p:cNvCxnSpPr>
-            <a:cxnSpLocks/>
-          </p:cNvCxnSpPr>
-          <p:nvPr/>
-        </p:nvCxnSpPr>
-        <p:spPr>
-          <a:xfrm>
-            <a:off x="3049188" y="5129495"/>
-            <a:ext cx="921693" cy="96548"/>
-          </a:xfrm>
-          <a:prstGeom prst="straightConnector1">
-            <a:avLst/>
-          </a:prstGeom>
-          <a:ln w="38100">
-            <a:solidFill>
-              <a:srgbClr val="6C0000"/>
-            </a:solidFill>
-            <a:headEnd type="none"/>
-            <a:tailEnd type="triangle"/>
-          </a:ln>
-        </p:spPr>
-        <p:style>
-          <a:lnRef idx="1">
-            <a:schemeClr val="accent1"/>
-          </a:lnRef>
-          <a:fillRef idx="0">
-            <a:schemeClr val="accent1"/>
-          </a:fillRef>
-          <a:effectRef idx="0">
-            <a:schemeClr val="accent1"/>
-          </a:effectRef>
-          <a:fontRef idx="minor">
-            <a:schemeClr val="tx1"/>
-          </a:fontRef>
-        </p:style>
-      </p:cxnSp>
-      <p:cxnSp>
-        <p:nvCxnSpPr>
-          <p:cNvPr id="19" name="Straight Arrow Connector 18">
-            <a:extLst>
-              <a:ext uri="{FF2B5EF4-FFF2-40B4-BE49-F238E27FC236}">
-                <a16:creationId xmlns:a16="http://schemas.microsoft.com/office/drawing/2014/main" id="{DD863EBC-D709-D81F-2A55-9253E9ECBCCD}"/>
-              </a:ext>
-            </a:extLst>
-          </p:cNvPr>
-          <p:cNvCxnSpPr>
-            <a:cxnSpLocks/>
-          </p:cNvCxnSpPr>
-          <p:nvPr/>
-        </p:nvCxnSpPr>
-        <p:spPr>
-          <a:xfrm>
-            <a:off x="3049188" y="4673544"/>
-            <a:ext cx="892262" cy="170265"/>
-          </a:xfrm>
-          <a:prstGeom prst="straightConnector1">
-            <a:avLst/>
-          </a:prstGeom>
-          <a:ln w="38100">
-            <a:solidFill>
-              <a:srgbClr val="6C0000"/>
-            </a:solidFill>
-            <a:headEnd type="none"/>
-            <a:tailEnd type="triangle"/>
-          </a:ln>
-        </p:spPr>
-        <p:style>
-          <a:lnRef idx="1">
-            <a:schemeClr val="accent1"/>
-          </a:lnRef>
-          <a:fillRef idx="0">
-            <a:schemeClr val="accent1"/>
-          </a:fillRef>
-          <a:effectRef idx="0">
-            <a:schemeClr val="accent1"/>
-          </a:effectRef>
-          <a:fontRef idx="minor">
-            <a:schemeClr val="tx1"/>
-          </a:fontRef>
-        </p:style>
-      </p:cxnSp>
-      <p:cxnSp>
-        <p:nvCxnSpPr>
-          <p:cNvPr id="20" name="Straight Arrow Connector 19">
-            <a:extLst>
-              <a:ext uri="{FF2B5EF4-FFF2-40B4-BE49-F238E27FC236}">
-                <a16:creationId xmlns:a16="http://schemas.microsoft.com/office/drawing/2014/main" id="{0153A5FE-2756-CCC5-6196-10FEAFA72B4A}"/>
-              </a:ext>
-            </a:extLst>
-          </p:cNvPr>
-          <p:cNvCxnSpPr>
-            <a:cxnSpLocks/>
-          </p:cNvCxnSpPr>
-          <p:nvPr/>
-        </p:nvCxnSpPr>
-        <p:spPr>
-          <a:xfrm flipV="1">
-            <a:off x="3049188" y="4173478"/>
-            <a:ext cx="921693" cy="68542"/>
-          </a:xfrm>
-          <a:prstGeom prst="straightConnector1">
-            <a:avLst/>
-          </a:prstGeom>
-          <a:ln w="38100">
-            <a:solidFill>
-              <a:srgbClr val="6C0000"/>
-            </a:solidFill>
-            <a:headEnd type="none"/>
-            <a:tailEnd type="triangle"/>
-          </a:ln>
-        </p:spPr>
-        <p:style>
-          <a:lnRef idx="1">
-            <a:schemeClr val="accent1"/>
-          </a:lnRef>
-          <a:fillRef idx="0">
-            <a:schemeClr val="accent1"/>
-          </a:fillRef>
-          <a:effectRef idx="0">
-            <a:schemeClr val="accent1"/>
-          </a:effectRef>
-          <a:fontRef idx="minor">
-            <a:schemeClr val="tx1"/>
-          </a:fontRef>
-        </p:style>
-      </p:cxnSp>
-      <p:cxnSp>
-        <p:nvCxnSpPr>
-          <p:cNvPr id="21" name="Straight Arrow Connector 20">
-            <a:extLst>
-              <a:ext uri="{FF2B5EF4-FFF2-40B4-BE49-F238E27FC236}">
-                <a16:creationId xmlns:a16="http://schemas.microsoft.com/office/drawing/2014/main" id="{4E8F8058-535E-A17E-B3D0-F630E2A6EB48}"/>
-              </a:ext>
-            </a:extLst>
-          </p:cNvPr>
-          <p:cNvCxnSpPr>
-            <a:cxnSpLocks/>
-          </p:cNvCxnSpPr>
-          <p:nvPr/>
-        </p:nvCxnSpPr>
-        <p:spPr>
-          <a:xfrm>
-            <a:off x="3049188" y="3786070"/>
-            <a:ext cx="921693" cy="64848"/>
-          </a:xfrm>
-          <a:prstGeom prst="straightConnector1">
-            <a:avLst/>
-          </a:prstGeom>
-          <a:ln w="38100">
-            <a:solidFill>
-              <a:srgbClr val="6C0000"/>
-            </a:solidFill>
-            <a:headEnd type="none"/>
-            <a:tailEnd type="triangle"/>
-          </a:ln>
-        </p:spPr>
-        <p:style>
-          <a:lnRef idx="1">
-            <a:schemeClr val="accent1"/>
-          </a:lnRef>
-          <a:fillRef idx="0">
-            <a:schemeClr val="accent1"/>
-          </a:fillRef>
-          <a:effectRef idx="0">
-            <a:schemeClr val="accent1"/>
-          </a:effectRef>
-          <a:fontRef idx="minor">
-            <a:schemeClr val="tx1"/>
-          </a:fontRef>
-        </p:style>
-      </p:cxnSp>
-    </p:spTree>
-    <p:extLst>
-      <p:ext uri="{BB962C8B-B14F-4D97-AF65-F5344CB8AC3E}">
-        <p14:creationId xmlns:p14="http://schemas.microsoft.com/office/powerpoint/2010/main" val="3963044379"/>
-      </p:ext>
-    </p:extLst>
-  </p:cSld>
-  <p:clrMapOvr>
-    <a:masterClrMapping/>
-  </p:clrMapOvr>
-  <p:transition>
-    <p:fade/>
-  </p:transition>
 </p:sld>
 </file>
 
@@ -34783,15 +35102,6 @@
 </file>
 
 <file path=customXml/item1.xml><?xml version="1.0" encoding="utf-8"?>
-<?mso-contentType ?>
-<FormTemplates xmlns="http://schemas.microsoft.com/sharepoint/v3/contenttype/forms">
-  <Display>DocumentLibraryForm</Display>
-  <Edit>DocumentLibraryForm</Edit>
-  <New>DocumentLibraryForm</New>
-</FormTemplates>
-</file>
-
-<file path=customXml/item2.xml><?xml version="1.0" encoding="utf-8"?>
 <p:properties xmlns:p="http://schemas.microsoft.com/office/2006/metadata/properties" xmlns:xsi="http://www.w3.org/2001/XMLSchema-instance" xmlns:pc="http://schemas.microsoft.com/office/infopath/2007/PartnerControls">
   <documentManagement>
     <_ip_UnifiedCompliancePolicyUIAction xmlns="http://schemas.microsoft.com/sharepoint/v3" xsi:nil="true"/>
@@ -34799,6 +35109,15 @@
     <_activity xmlns="3c10a0e8-556e-4c2d-9121-1181542ea83c" xsi:nil="true"/>
   </documentManagement>
 </p:properties>
+</file>
+
+<file path=customXml/item2.xml><?xml version="1.0" encoding="utf-8"?>
+<?mso-contentType ?>
+<FormTemplates xmlns="http://schemas.microsoft.com/sharepoint/v3/contenttype/forms">
+  <Display>DocumentLibraryForm</Display>
+  <Edit>DocumentLibraryForm</Edit>
+  <New>DocumentLibraryForm</New>
+</FormTemplates>
 </file>
 
 <file path=customXml/item3.xml><?xml version="1.0" encoding="utf-8"?>
@@ -35066,14 +35385,6 @@
 </file>
 
 <file path=customXml/itemProps1.xml><?xml version="1.0" encoding="utf-8"?>
-<ds:datastoreItem xmlns:ds="http://schemas.openxmlformats.org/officeDocument/2006/customXml" ds:itemID="{758FDAC0-319D-4A54-8D8E-1D42CB1F8004}">
-  <ds:schemaRefs>
-    <ds:schemaRef ds:uri="http://schemas.microsoft.com/sharepoint/v3/contenttype/forms"/>
-  </ds:schemaRefs>
-</ds:datastoreItem>
-</file>
-
-<file path=customXml/itemProps2.xml><?xml version="1.0" encoding="utf-8"?>
 <ds:datastoreItem xmlns:ds="http://schemas.openxmlformats.org/officeDocument/2006/customXml" ds:itemID="{F990F116-B58F-4255-B05B-DA3808E0E5C6}">
   <ds:schemaRefs>
     <ds:schemaRef ds:uri="http://schemas.microsoft.com/sharepoint/v3"/>
@@ -35087,6 +35398,14 @@
     <ds:schemaRef ds:uri="http://schemas.openxmlformats.org/package/2006/metadata/core-properties"/>
     <ds:schemaRef ds:uri="91f22b01-9196-48cc-8d58-ee179122dd75"/>
     <ds:schemaRef ds:uri="http://www.w3.org/XML/1998/namespace"/>
+  </ds:schemaRefs>
+</ds:datastoreItem>
+</file>
+
+<file path=customXml/itemProps2.xml><?xml version="1.0" encoding="utf-8"?>
+<ds:datastoreItem xmlns:ds="http://schemas.openxmlformats.org/officeDocument/2006/customXml" ds:itemID="{758FDAC0-319D-4A54-8D8E-1D42CB1F8004}">
+  <ds:schemaRefs>
+    <ds:schemaRef ds:uri="http://schemas.microsoft.com/sharepoint/v3/contenttype/forms"/>
   </ds:schemaRefs>
 </ds:datastoreItem>
 </file>

--- a/docs/Automating Fabric Solution Deployment.pptx
+++ b/docs/Automating Fabric Solution Deployment.pptx
@@ -24728,8 +24728,8 @@
         </p:blipFill>
         <p:spPr>
           <a:xfrm>
-            <a:off x="832689" y="1690022"/>
-            <a:ext cx="2759683" cy="1219656"/>
+            <a:off x="832689" y="1609941"/>
+            <a:ext cx="2502182" cy="1105852"/>
           </a:xfrm>
           <a:prstGeom prst="rect">
             <a:avLst/>
@@ -24758,8 +24758,8 @@
         </p:blipFill>
         <p:spPr>
           <a:xfrm>
-            <a:off x="832689" y="3451945"/>
-            <a:ext cx="1944705" cy="1185933"/>
+            <a:off x="832689" y="3497262"/>
+            <a:ext cx="1838793" cy="1121345"/>
           </a:xfrm>
           <a:prstGeom prst="rect">
             <a:avLst/>
@@ -24788,8 +24788,8 @@
         </p:blipFill>
         <p:spPr>
           <a:xfrm>
-            <a:off x="832689" y="5275457"/>
-            <a:ext cx="3756423" cy="1258047"/>
+            <a:off x="832689" y="5228534"/>
+            <a:ext cx="3497264" cy="1171253"/>
           </a:xfrm>
           <a:prstGeom prst="rect">
             <a:avLst/>
